--- a/EDA_Team03_FinalProject.pptx
+++ b/EDA_Team03_FinalProject.pptx
@@ -28,6 +28,7 @@
     <p:sldId id="292" r:id="rId22"/>
     <p:sldId id="286" r:id="rId23"/>
     <p:sldId id="294" r:id="rId24"/>
+    <p:sldId id="296" r:id="rId25"/>
   </p:sldIdLst>
   <p:sldSz cx="12192000" cy="6858000"/>
   <p:notesSz cx="6858000" cy="9144000"/>
@@ -283,7 +284,7 @@
           <a:p>
             <a:fld id="{44524539-F915-476D-88A7-2C5627D50608}" type="datetimeFigureOut">
               <a:rPr lang="en-IN" smtClean="0"/>
-              <a:t>27-10-2022</a:t>
+              <a:t>05-12-2022</a:t>
             </a:fld>
             <a:endParaRPr lang="en-IN"/>
           </a:p>
@@ -483,7 +484,7 @@
           <a:p>
             <a:fld id="{44524539-F915-476D-88A7-2C5627D50608}" type="datetimeFigureOut">
               <a:rPr lang="en-IN" smtClean="0"/>
-              <a:t>27-10-2022</a:t>
+              <a:t>05-12-2022</a:t>
             </a:fld>
             <a:endParaRPr lang="en-IN"/>
           </a:p>
@@ -693,7 +694,7 @@
           <a:p>
             <a:fld id="{44524539-F915-476D-88A7-2C5627D50608}" type="datetimeFigureOut">
               <a:rPr lang="en-IN" smtClean="0"/>
-              <a:t>27-10-2022</a:t>
+              <a:t>05-12-2022</a:t>
             </a:fld>
             <a:endParaRPr lang="en-IN"/>
           </a:p>
@@ -893,7 +894,7 @@
           <a:p>
             <a:fld id="{44524539-F915-476D-88A7-2C5627D50608}" type="datetimeFigureOut">
               <a:rPr lang="en-IN" smtClean="0"/>
-              <a:t>27-10-2022</a:t>
+              <a:t>05-12-2022</a:t>
             </a:fld>
             <a:endParaRPr lang="en-IN"/>
           </a:p>
@@ -1169,7 +1170,7 @@
           <a:p>
             <a:fld id="{44524539-F915-476D-88A7-2C5627D50608}" type="datetimeFigureOut">
               <a:rPr lang="en-IN" smtClean="0"/>
-              <a:t>27-10-2022</a:t>
+              <a:t>05-12-2022</a:t>
             </a:fld>
             <a:endParaRPr lang="en-IN"/>
           </a:p>
@@ -1437,7 +1438,7 @@
           <a:p>
             <a:fld id="{44524539-F915-476D-88A7-2C5627D50608}" type="datetimeFigureOut">
               <a:rPr lang="en-IN" smtClean="0"/>
-              <a:t>27-10-2022</a:t>
+              <a:t>05-12-2022</a:t>
             </a:fld>
             <a:endParaRPr lang="en-IN"/>
           </a:p>
@@ -1852,7 +1853,7 @@
           <a:p>
             <a:fld id="{44524539-F915-476D-88A7-2C5627D50608}" type="datetimeFigureOut">
               <a:rPr lang="en-IN" smtClean="0"/>
-              <a:t>27-10-2022</a:t>
+              <a:t>05-12-2022</a:t>
             </a:fld>
             <a:endParaRPr lang="en-IN"/>
           </a:p>
@@ -1994,7 +1995,7 @@
           <a:p>
             <a:fld id="{44524539-F915-476D-88A7-2C5627D50608}" type="datetimeFigureOut">
               <a:rPr lang="en-IN" smtClean="0"/>
-              <a:t>27-10-2022</a:t>
+              <a:t>05-12-2022</a:t>
             </a:fld>
             <a:endParaRPr lang="en-IN"/>
           </a:p>
@@ -2107,7 +2108,7 @@
           <a:p>
             <a:fld id="{44524539-F915-476D-88A7-2C5627D50608}" type="datetimeFigureOut">
               <a:rPr lang="en-IN" smtClean="0"/>
-              <a:t>27-10-2022</a:t>
+              <a:t>05-12-2022</a:t>
             </a:fld>
             <a:endParaRPr lang="en-IN"/>
           </a:p>
@@ -2420,7 +2421,7 @@
           <a:p>
             <a:fld id="{44524539-F915-476D-88A7-2C5627D50608}" type="datetimeFigureOut">
               <a:rPr lang="en-IN" smtClean="0"/>
-              <a:t>27-10-2022</a:t>
+              <a:t>05-12-2022</a:t>
             </a:fld>
             <a:endParaRPr lang="en-IN"/>
           </a:p>
@@ -2709,7 +2710,7 @@
           <a:p>
             <a:fld id="{44524539-F915-476D-88A7-2C5627D50608}" type="datetimeFigureOut">
               <a:rPr lang="en-IN" smtClean="0"/>
-              <a:t>27-10-2022</a:t>
+              <a:t>05-12-2022</a:t>
             </a:fld>
             <a:endParaRPr lang="en-IN"/>
           </a:p>
@@ -2952,7 +2953,7 @@
           <a:p>
             <a:fld id="{44524539-F915-476D-88A7-2C5627D50608}" type="datetimeFigureOut">
               <a:rPr lang="en-IN" smtClean="0"/>
-              <a:t>27-10-2022</a:t>
+              <a:t>05-12-2022</a:t>
             </a:fld>
             <a:endParaRPr lang="en-IN"/>
           </a:p>
@@ -3438,7 +3439,7 @@
         </p:nvSpPr>
         <p:spPr>
           <a:xfrm>
-            <a:off x="1571625" y="1625217"/>
+            <a:off x="1567458" y="1758811"/>
             <a:ext cx="10334626" cy="691184"/>
           </a:xfrm>
         </p:spPr>
@@ -3775,7 +3776,7 @@
         </p:nvSpPr>
         <p:spPr>
           <a:xfrm rot="16200000">
-            <a:off x="246859" y="1699516"/>
+            <a:off x="246859" y="1851916"/>
             <a:ext cx="2038347" cy="706437"/>
           </a:xfrm>
           <a:prstGeom prst="rect">
@@ -3837,7 +3838,7 @@
         </p:nvCxnSpPr>
         <p:spPr>
           <a:xfrm flipH="1">
-            <a:off x="1695450" y="1033561"/>
+            <a:off x="1695450" y="1185961"/>
             <a:ext cx="2" cy="2038351"/>
           </a:xfrm>
           <a:prstGeom prst="line">
@@ -3873,8 +3874,8 @@
         </p:nvSpPr>
         <p:spPr>
           <a:xfrm>
-            <a:off x="0" y="-128845"/>
-            <a:ext cx="12192000" cy="714889"/>
+            <a:off x="0" y="-128846"/>
+            <a:ext cx="12192000" cy="1033721"/>
           </a:xfrm>
           <a:prstGeom prst="rect">
             <a:avLst/>
@@ -3924,7 +3925,7 @@
         </p:nvGrpSpPr>
         <p:grpSpPr>
           <a:xfrm rot="5400000">
-            <a:off x="602957" y="2473796"/>
+            <a:off x="602957" y="2111846"/>
             <a:ext cx="2038347" cy="162975"/>
             <a:chOff x="495300" y="2900260"/>
             <a:chExt cx="12192000" cy="660308"/>
@@ -4093,6 +4094,53 @@
           </p:txBody>
         </p:sp>
       </p:grpSp>
+      <p:pic>
+        <p:nvPicPr>
+          <p:cNvPr id="4" name="Picture 6">
+            <a:extLst>
+              <a:ext uri="{FF2B5EF4-FFF2-40B4-BE49-F238E27FC236}">
+                <a16:creationId xmlns:a16="http://schemas.microsoft.com/office/drawing/2014/main" id="{181BF747-0BDC-53D9-F2D8-9D92DD2146A4}"/>
+              </a:ext>
+            </a:extLst>
+          </p:cNvPr>
+          <p:cNvPicPr>
+            <a:picLocks noChangeAspect="1" noChangeArrowheads="1"/>
+          </p:cNvPicPr>
+          <p:nvPr/>
+        </p:nvPicPr>
+        <p:blipFill>
+          <a:blip r:embed="rId3">
+            <a:extLst>
+              <a:ext uri="{28A0092B-C50C-407E-A947-70E740481C1C}">
+                <a14:useLocalDpi xmlns:a14="http://schemas.microsoft.com/office/drawing/2010/main" val="0"/>
+              </a:ext>
+            </a:extLst>
+          </a:blip>
+          <a:srcRect/>
+          <a:stretch>
+            <a:fillRect/>
+          </a:stretch>
+        </p:blipFill>
+        <p:spPr bwMode="auto">
+          <a:xfrm>
+            <a:off x="10997142" y="7284"/>
+            <a:ext cx="1075268" cy="818996"/>
+          </a:xfrm>
+          <a:prstGeom prst="rect">
+            <a:avLst/>
+          </a:prstGeom>
+          <a:noFill/>
+          <a:extLst>
+            <a:ext uri="{909E8E84-426E-40DD-AFC4-6F175D3DCCD1}">
+              <a14:hiddenFill xmlns:a14="http://schemas.microsoft.com/office/drawing/2010/main">
+                <a:solidFill>
+                  <a:srgbClr val="FFFFFF"/>
+                </a:solidFill>
+              </a14:hiddenFill>
+            </a:ext>
+          </a:extLst>
+        </p:spPr>
+      </p:pic>
     </p:spTree>
     <p:extLst>
       <p:ext uri="{BB962C8B-B14F-4D97-AF65-F5344CB8AC3E}">
@@ -4769,6 +4817,53 @@
           </a:p>
         </p:txBody>
       </p:sp>
+      <p:pic>
+        <p:nvPicPr>
+          <p:cNvPr id="2" name="Picture 6">
+            <a:extLst>
+              <a:ext uri="{FF2B5EF4-FFF2-40B4-BE49-F238E27FC236}">
+                <a16:creationId xmlns:a16="http://schemas.microsoft.com/office/drawing/2014/main" id="{4FD577D9-59A5-FE5F-745D-D113DF7FFA7B}"/>
+              </a:ext>
+            </a:extLst>
+          </p:cNvPr>
+          <p:cNvPicPr>
+            <a:picLocks noChangeAspect="1" noChangeArrowheads="1"/>
+          </p:cNvPicPr>
+          <p:nvPr/>
+        </p:nvPicPr>
+        <p:blipFill>
+          <a:blip r:embed="rId4">
+            <a:extLst>
+              <a:ext uri="{28A0092B-C50C-407E-A947-70E740481C1C}">
+                <a14:useLocalDpi xmlns:a14="http://schemas.microsoft.com/office/drawing/2010/main" val="0"/>
+              </a:ext>
+            </a:extLst>
+          </a:blip>
+          <a:srcRect/>
+          <a:stretch>
+            <a:fillRect/>
+          </a:stretch>
+        </p:blipFill>
+        <p:spPr bwMode="auto">
+          <a:xfrm>
+            <a:off x="10978092" y="58069"/>
+            <a:ext cx="1075268" cy="818996"/>
+          </a:xfrm>
+          <a:prstGeom prst="rect">
+            <a:avLst/>
+          </a:prstGeom>
+          <a:noFill/>
+          <a:extLst>
+            <a:ext uri="{909E8E84-426E-40DD-AFC4-6F175D3DCCD1}">
+              <a14:hiddenFill xmlns:a14="http://schemas.microsoft.com/office/drawing/2010/main">
+                <a:solidFill>
+                  <a:srgbClr val="FFFFFF"/>
+                </a:solidFill>
+              </a14:hiddenFill>
+            </a:ext>
+          </a:extLst>
+        </p:spPr>
+      </p:pic>
     </p:spTree>
     <p:extLst>
       <p:ext uri="{BB962C8B-B14F-4D97-AF65-F5344CB8AC3E}">
@@ -5469,6 +5564,53 @@
           </a:p>
         </p:txBody>
       </p:sp>
+      <p:pic>
+        <p:nvPicPr>
+          <p:cNvPr id="2" name="Picture 6">
+            <a:extLst>
+              <a:ext uri="{FF2B5EF4-FFF2-40B4-BE49-F238E27FC236}">
+                <a16:creationId xmlns:a16="http://schemas.microsoft.com/office/drawing/2014/main" id="{EAC2808F-610A-68D3-59D0-F74E28409538}"/>
+              </a:ext>
+            </a:extLst>
+          </p:cNvPr>
+          <p:cNvPicPr>
+            <a:picLocks noChangeAspect="1" noChangeArrowheads="1"/>
+          </p:cNvPicPr>
+          <p:nvPr/>
+        </p:nvPicPr>
+        <p:blipFill>
+          <a:blip r:embed="rId6">
+            <a:extLst>
+              <a:ext uri="{28A0092B-C50C-407E-A947-70E740481C1C}">
+                <a14:useLocalDpi xmlns:a14="http://schemas.microsoft.com/office/drawing/2010/main" val="0"/>
+              </a:ext>
+            </a:extLst>
+          </a:blip>
+          <a:srcRect/>
+          <a:stretch>
+            <a:fillRect/>
+          </a:stretch>
+        </p:blipFill>
+        <p:spPr bwMode="auto">
+          <a:xfrm>
+            <a:off x="10978092" y="58069"/>
+            <a:ext cx="1075268" cy="818996"/>
+          </a:xfrm>
+          <a:prstGeom prst="rect">
+            <a:avLst/>
+          </a:prstGeom>
+          <a:noFill/>
+          <a:extLst>
+            <a:ext uri="{909E8E84-426E-40DD-AFC4-6F175D3DCCD1}">
+              <a14:hiddenFill xmlns:a14="http://schemas.microsoft.com/office/drawing/2010/main">
+                <a:solidFill>
+                  <a:srgbClr val="FFFFFF"/>
+                </a:solidFill>
+              </a14:hiddenFill>
+            </a:ext>
+          </a:extLst>
+        </p:spPr>
+      </p:pic>
     </p:spTree>
     <p:extLst>
       <p:ext uri="{BB962C8B-B14F-4D97-AF65-F5344CB8AC3E}">
@@ -5564,8 +5706,8 @@
         </p:nvGrpSpPr>
         <p:grpSpPr>
           <a:xfrm>
-            <a:off x="676273" y="743624"/>
-            <a:ext cx="10839452" cy="273600"/>
+            <a:off x="1019175" y="725046"/>
+            <a:ext cx="9601200" cy="301703"/>
             <a:chOff x="495300" y="2900260"/>
             <a:chExt cx="12192000" cy="660305"/>
           </a:xfrm>
@@ -5948,6 +6090,53 @@
           </a:p>
         </p:txBody>
       </p:sp>
+      <p:pic>
+        <p:nvPicPr>
+          <p:cNvPr id="2" name="Picture 6">
+            <a:extLst>
+              <a:ext uri="{FF2B5EF4-FFF2-40B4-BE49-F238E27FC236}">
+                <a16:creationId xmlns:a16="http://schemas.microsoft.com/office/drawing/2014/main" id="{2CEC9CD2-6DB3-36B7-A59E-DC917A9EADE5}"/>
+              </a:ext>
+            </a:extLst>
+          </p:cNvPr>
+          <p:cNvPicPr>
+            <a:picLocks noChangeAspect="1" noChangeArrowheads="1"/>
+          </p:cNvPicPr>
+          <p:nvPr/>
+        </p:nvPicPr>
+        <p:blipFill>
+          <a:blip r:embed="rId3">
+            <a:extLst>
+              <a:ext uri="{28A0092B-C50C-407E-A947-70E740481C1C}">
+                <a14:useLocalDpi xmlns:a14="http://schemas.microsoft.com/office/drawing/2010/main" val="0"/>
+              </a:ext>
+            </a:extLst>
+          </a:blip>
+          <a:srcRect/>
+          <a:stretch>
+            <a:fillRect/>
+          </a:stretch>
+        </p:blipFill>
+        <p:spPr bwMode="auto">
+          <a:xfrm>
+            <a:off x="10978092" y="58069"/>
+            <a:ext cx="1075268" cy="818996"/>
+          </a:xfrm>
+          <a:prstGeom prst="rect">
+            <a:avLst/>
+          </a:prstGeom>
+          <a:noFill/>
+          <a:extLst>
+            <a:ext uri="{909E8E84-426E-40DD-AFC4-6F175D3DCCD1}">
+              <a14:hiddenFill xmlns:a14="http://schemas.microsoft.com/office/drawing/2010/main">
+                <a:solidFill>
+                  <a:srgbClr val="FFFFFF"/>
+                </a:solidFill>
+              </a14:hiddenFill>
+            </a:ext>
+          </a:extLst>
+        </p:spPr>
+      </p:pic>
     </p:spTree>
     <p:extLst>
       <p:ext uri="{BB962C8B-B14F-4D97-AF65-F5344CB8AC3E}">
@@ -6043,7 +6232,7 @@
         </p:nvGrpSpPr>
         <p:grpSpPr>
           <a:xfrm>
-            <a:off x="676273" y="743624"/>
+            <a:off x="19048" y="743624"/>
             <a:ext cx="10839452" cy="273600"/>
             <a:chOff x="495300" y="2900260"/>
             <a:chExt cx="12192000" cy="660305"/>
@@ -6226,7 +6415,7 @@
         </p:nvSpPr>
         <p:spPr>
           <a:xfrm>
-            <a:off x="506287" y="17160"/>
+            <a:off x="-150938" y="17160"/>
             <a:ext cx="11239501" cy="707886"/>
           </a:xfrm>
           <a:prstGeom prst="rect">
@@ -7861,6 +8050,53 @@
           </a:p>
         </p:txBody>
       </p:sp>
+      <p:pic>
+        <p:nvPicPr>
+          <p:cNvPr id="2" name="Picture 6">
+            <a:extLst>
+              <a:ext uri="{FF2B5EF4-FFF2-40B4-BE49-F238E27FC236}">
+                <a16:creationId xmlns:a16="http://schemas.microsoft.com/office/drawing/2014/main" id="{35B52D6E-1A1A-AD1C-51FA-5AB2B69F9953}"/>
+              </a:ext>
+            </a:extLst>
+          </p:cNvPr>
+          <p:cNvPicPr>
+            <a:picLocks noChangeAspect="1" noChangeArrowheads="1"/>
+          </p:cNvPicPr>
+          <p:nvPr/>
+        </p:nvPicPr>
+        <p:blipFill>
+          <a:blip r:embed="rId7">
+            <a:extLst>
+              <a:ext uri="{28A0092B-C50C-407E-A947-70E740481C1C}">
+                <a14:useLocalDpi xmlns:a14="http://schemas.microsoft.com/office/drawing/2010/main" val="0"/>
+              </a:ext>
+            </a:extLst>
+          </a:blip>
+          <a:srcRect/>
+          <a:stretch>
+            <a:fillRect/>
+          </a:stretch>
+        </p:blipFill>
+        <p:spPr bwMode="auto">
+          <a:xfrm>
+            <a:off x="10978092" y="58069"/>
+            <a:ext cx="1075268" cy="818996"/>
+          </a:xfrm>
+          <a:prstGeom prst="rect">
+            <a:avLst/>
+          </a:prstGeom>
+          <a:noFill/>
+          <a:extLst>
+            <a:ext uri="{909E8E84-426E-40DD-AFC4-6F175D3DCCD1}">
+              <a14:hiddenFill xmlns:a14="http://schemas.microsoft.com/office/drawing/2010/main">
+                <a:solidFill>
+                  <a:srgbClr val="FFFFFF"/>
+                </a:solidFill>
+              </a14:hiddenFill>
+            </a:ext>
+          </a:extLst>
+        </p:spPr>
+      </p:pic>
     </p:spTree>
     <p:extLst>
       <p:ext uri="{BB962C8B-B14F-4D97-AF65-F5344CB8AC3E}">
@@ -8272,7 +8508,7 @@
         </p:nvGrpSpPr>
         <p:grpSpPr>
           <a:xfrm>
-            <a:off x="676273" y="743624"/>
+            <a:off x="9523" y="743624"/>
             <a:ext cx="10839452" cy="273600"/>
             <a:chOff x="495300" y="2900260"/>
             <a:chExt cx="12192000" cy="660305"/>
@@ -8455,7 +8691,7 @@
         </p:nvSpPr>
         <p:spPr>
           <a:xfrm>
-            <a:off x="506287" y="17160"/>
+            <a:off x="-160463" y="17160"/>
             <a:ext cx="11239501" cy="707886"/>
           </a:xfrm>
           <a:prstGeom prst="rect">
@@ -8516,6 +8752,53 @@
           </a:p>
         </p:txBody>
       </p:sp>
+      <p:pic>
+        <p:nvPicPr>
+          <p:cNvPr id="2" name="Picture 6">
+            <a:extLst>
+              <a:ext uri="{FF2B5EF4-FFF2-40B4-BE49-F238E27FC236}">
+                <a16:creationId xmlns:a16="http://schemas.microsoft.com/office/drawing/2014/main" id="{AADB8BDE-D589-1974-960C-6088212A7120}"/>
+              </a:ext>
+            </a:extLst>
+          </p:cNvPr>
+          <p:cNvPicPr>
+            <a:picLocks noChangeAspect="1" noChangeArrowheads="1"/>
+          </p:cNvPicPr>
+          <p:nvPr/>
+        </p:nvPicPr>
+        <p:blipFill>
+          <a:blip r:embed="rId4">
+            <a:extLst>
+              <a:ext uri="{28A0092B-C50C-407E-A947-70E740481C1C}">
+                <a14:useLocalDpi xmlns:a14="http://schemas.microsoft.com/office/drawing/2010/main" val="0"/>
+              </a:ext>
+            </a:extLst>
+          </a:blip>
+          <a:srcRect/>
+          <a:stretch>
+            <a:fillRect/>
+          </a:stretch>
+        </p:blipFill>
+        <p:spPr bwMode="auto">
+          <a:xfrm>
+            <a:off x="10978092" y="58069"/>
+            <a:ext cx="1075268" cy="818996"/>
+          </a:xfrm>
+          <a:prstGeom prst="rect">
+            <a:avLst/>
+          </a:prstGeom>
+          <a:noFill/>
+          <a:extLst>
+            <a:ext uri="{909E8E84-426E-40DD-AFC4-6F175D3DCCD1}">
+              <a14:hiddenFill xmlns:a14="http://schemas.microsoft.com/office/drawing/2010/main">
+                <a:solidFill>
+                  <a:srgbClr val="FFFFFF"/>
+                </a:solidFill>
+              </a14:hiddenFill>
+            </a:ext>
+          </a:extLst>
+        </p:spPr>
+      </p:pic>
     </p:spTree>
     <p:extLst>
       <p:ext uri="{BB962C8B-B14F-4D97-AF65-F5344CB8AC3E}">
@@ -9051,7 +9334,7 @@
         </p:nvGrpSpPr>
         <p:grpSpPr>
           <a:xfrm>
-            <a:off x="676273" y="743624"/>
+            <a:off x="19048" y="743624"/>
             <a:ext cx="10839452" cy="273600"/>
             <a:chOff x="495300" y="2900260"/>
             <a:chExt cx="12192000" cy="660305"/>
@@ -9234,7 +9517,7 @@
         </p:nvSpPr>
         <p:spPr>
           <a:xfrm>
-            <a:off x="506287" y="17160"/>
+            <a:off x="-150938" y="17160"/>
             <a:ext cx="11239501" cy="707886"/>
           </a:xfrm>
           <a:prstGeom prst="rect">
@@ -9538,6 +9821,53 @@
           </a:p>
         </p:txBody>
       </p:sp>
+      <p:pic>
+        <p:nvPicPr>
+          <p:cNvPr id="4" name="Picture 6">
+            <a:extLst>
+              <a:ext uri="{FF2B5EF4-FFF2-40B4-BE49-F238E27FC236}">
+                <a16:creationId xmlns:a16="http://schemas.microsoft.com/office/drawing/2014/main" id="{DDEA01F7-C694-B1B2-0A0B-927C76059538}"/>
+              </a:ext>
+            </a:extLst>
+          </p:cNvPr>
+          <p:cNvPicPr>
+            <a:picLocks noChangeAspect="1" noChangeArrowheads="1"/>
+          </p:cNvPicPr>
+          <p:nvPr/>
+        </p:nvPicPr>
+        <p:blipFill>
+          <a:blip r:embed="rId5">
+            <a:extLst>
+              <a:ext uri="{28A0092B-C50C-407E-A947-70E740481C1C}">
+                <a14:useLocalDpi xmlns:a14="http://schemas.microsoft.com/office/drawing/2010/main" val="0"/>
+              </a:ext>
+            </a:extLst>
+          </a:blip>
+          <a:srcRect/>
+          <a:stretch>
+            <a:fillRect/>
+          </a:stretch>
+        </p:blipFill>
+        <p:spPr bwMode="auto">
+          <a:xfrm>
+            <a:off x="10978092" y="58069"/>
+            <a:ext cx="1075268" cy="818996"/>
+          </a:xfrm>
+          <a:prstGeom prst="rect">
+            <a:avLst/>
+          </a:prstGeom>
+          <a:noFill/>
+          <a:extLst>
+            <a:ext uri="{909E8E84-426E-40DD-AFC4-6F175D3DCCD1}">
+              <a14:hiddenFill xmlns:a14="http://schemas.microsoft.com/office/drawing/2010/main">
+                <a:solidFill>
+                  <a:srgbClr val="FFFFFF"/>
+                </a:solidFill>
+              </a14:hiddenFill>
+            </a:ext>
+          </a:extLst>
+        </p:spPr>
+      </p:pic>
     </p:spTree>
     <p:extLst>
       <p:ext uri="{BB962C8B-B14F-4D97-AF65-F5344CB8AC3E}">
@@ -10072,7 +10402,7 @@
         </p:nvGrpSpPr>
         <p:grpSpPr>
           <a:xfrm>
-            <a:off x="676273" y="743624"/>
+            <a:off x="50270" y="612916"/>
             <a:ext cx="10839452" cy="273600"/>
             <a:chOff x="495300" y="2900260"/>
             <a:chExt cx="12192000" cy="660305"/>
@@ -10255,7 +10585,7 @@
         </p:nvSpPr>
         <p:spPr>
           <a:xfrm>
-            <a:off x="506287" y="17160"/>
+            <a:off x="-123757" y="-95330"/>
             <a:ext cx="11239501" cy="707886"/>
           </a:xfrm>
           <a:prstGeom prst="rect">
@@ -10522,6 +10852,53 @@
           </a:p>
         </p:txBody>
       </p:sp>
+      <p:pic>
+        <p:nvPicPr>
+          <p:cNvPr id="2" name="Picture 6">
+            <a:extLst>
+              <a:ext uri="{FF2B5EF4-FFF2-40B4-BE49-F238E27FC236}">
+                <a16:creationId xmlns:a16="http://schemas.microsoft.com/office/drawing/2014/main" id="{BEA29E19-F65C-1D79-C32B-87B67555F4CF}"/>
+              </a:ext>
+            </a:extLst>
+          </p:cNvPr>
+          <p:cNvPicPr>
+            <a:picLocks noChangeAspect="1" noChangeArrowheads="1"/>
+          </p:cNvPicPr>
+          <p:nvPr/>
+        </p:nvPicPr>
+        <p:blipFill>
+          <a:blip r:embed="rId5">
+            <a:extLst>
+              <a:ext uri="{28A0092B-C50C-407E-A947-70E740481C1C}">
+                <a14:useLocalDpi xmlns:a14="http://schemas.microsoft.com/office/drawing/2010/main" val="0"/>
+              </a:ext>
+            </a:extLst>
+          </a:blip>
+          <a:srcRect/>
+          <a:stretch>
+            <a:fillRect/>
+          </a:stretch>
+        </p:blipFill>
+        <p:spPr bwMode="auto">
+          <a:xfrm>
+            <a:off x="10978092" y="58069"/>
+            <a:ext cx="1075268" cy="818996"/>
+          </a:xfrm>
+          <a:prstGeom prst="rect">
+            <a:avLst/>
+          </a:prstGeom>
+          <a:noFill/>
+          <a:extLst>
+            <a:ext uri="{909E8E84-426E-40DD-AFC4-6F175D3DCCD1}">
+              <a14:hiddenFill xmlns:a14="http://schemas.microsoft.com/office/drawing/2010/main">
+                <a:solidFill>
+                  <a:srgbClr val="FFFFFF"/>
+                </a:solidFill>
+              </a14:hiddenFill>
+            </a:ext>
+          </a:extLst>
+        </p:spPr>
+      </p:pic>
     </p:spTree>
     <p:extLst>
       <p:ext uri="{BB962C8B-B14F-4D97-AF65-F5344CB8AC3E}">
@@ -11056,7 +11433,7 @@
         </p:nvGrpSpPr>
         <p:grpSpPr>
           <a:xfrm>
-            <a:off x="676273" y="743624"/>
+            <a:off x="50270" y="636530"/>
             <a:ext cx="10839452" cy="273600"/>
             <a:chOff x="495300" y="2900260"/>
             <a:chExt cx="12192000" cy="660305"/>
@@ -11239,7 +11616,7 @@
         </p:nvSpPr>
         <p:spPr>
           <a:xfrm>
-            <a:off x="506287" y="17160"/>
+            <a:off x="-130704" y="-51246"/>
             <a:ext cx="11239501" cy="707886"/>
           </a:xfrm>
           <a:prstGeom prst="rect">
@@ -11510,6 +11887,53 @@
           </a:p>
         </p:txBody>
       </p:sp>
+      <p:pic>
+        <p:nvPicPr>
+          <p:cNvPr id="3" name="Picture 6">
+            <a:extLst>
+              <a:ext uri="{FF2B5EF4-FFF2-40B4-BE49-F238E27FC236}">
+                <a16:creationId xmlns:a16="http://schemas.microsoft.com/office/drawing/2014/main" id="{540778A4-CC70-23E9-5363-6BF4CFF50FE1}"/>
+              </a:ext>
+            </a:extLst>
+          </p:cNvPr>
+          <p:cNvPicPr>
+            <a:picLocks noChangeAspect="1" noChangeArrowheads="1"/>
+          </p:cNvPicPr>
+          <p:nvPr/>
+        </p:nvPicPr>
+        <p:blipFill>
+          <a:blip r:embed="rId4">
+            <a:extLst>
+              <a:ext uri="{28A0092B-C50C-407E-A947-70E740481C1C}">
+                <a14:useLocalDpi xmlns:a14="http://schemas.microsoft.com/office/drawing/2010/main" val="0"/>
+              </a:ext>
+            </a:extLst>
+          </a:blip>
+          <a:srcRect/>
+          <a:stretch>
+            <a:fillRect/>
+          </a:stretch>
+        </p:blipFill>
+        <p:spPr bwMode="auto">
+          <a:xfrm>
+            <a:off x="10978092" y="58069"/>
+            <a:ext cx="1075268" cy="818996"/>
+          </a:xfrm>
+          <a:prstGeom prst="rect">
+            <a:avLst/>
+          </a:prstGeom>
+          <a:noFill/>
+          <a:extLst>
+            <a:ext uri="{909E8E84-426E-40DD-AFC4-6F175D3DCCD1}">
+              <a14:hiddenFill xmlns:a14="http://schemas.microsoft.com/office/drawing/2010/main">
+                <a:solidFill>
+                  <a:srgbClr val="FFFFFF"/>
+                </a:solidFill>
+              </a14:hiddenFill>
+            </a:ext>
+          </a:extLst>
+        </p:spPr>
+      </p:pic>
     </p:spTree>
     <p:extLst>
       <p:ext uri="{BB962C8B-B14F-4D97-AF65-F5344CB8AC3E}">
@@ -13397,6 +13821,53 @@
           </a:p>
         </p:txBody>
       </p:sp>
+      <p:pic>
+        <p:nvPicPr>
+          <p:cNvPr id="2" name="Picture 6">
+            <a:extLst>
+              <a:ext uri="{FF2B5EF4-FFF2-40B4-BE49-F238E27FC236}">
+                <a16:creationId xmlns:a16="http://schemas.microsoft.com/office/drawing/2014/main" id="{65B80EE2-3F8F-C000-3E59-7590DA374B7B}"/>
+              </a:ext>
+            </a:extLst>
+          </p:cNvPr>
+          <p:cNvPicPr>
+            <a:picLocks noChangeAspect="1" noChangeArrowheads="1"/>
+          </p:cNvPicPr>
+          <p:nvPr/>
+        </p:nvPicPr>
+        <p:blipFill>
+          <a:blip r:embed="rId7">
+            <a:extLst>
+              <a:ext uri="{28A0092B-C50C-407E-A947-70E740481C1C}">
+                <a14:useLocalDpi xmlns:a14="http://schemas.microsoft.com/office/drawing/2010/main" val="0"/>
+              </a:ext>
+            </a:extLst>
+          </a:blip>
+          <a:srcRect/>
+          <a:stretch>
+            <a:fillRect/>
+          </a:stretch>
+        </p:blipFill>
+        <p:spPr bwMode="auto">
+          <a:xfrm>
+            <a:off x="10978092" y="58069"/>
+            <a:ext cx="1075268" cy="818996"/>
+          </a:xfrm>
+          <a:prstGeom prst="rect">
+            <a:avLst/>
+          </a:prstGeom>
+          <a:noFill/>
+          <a:extLst>
+            <a:ext uri="{909E8E84-426E-40DD-AFC4-6F175D3DCCD1}">
+              <a14:hiddenFill xmlns:a14="http://schemas.microsoft.com/office/drawing/2010/main">
+                <a:solidFill>
+                  <a:srgbClr val="FFFFFF"/>
+                </a:solidFill>
+              </a14:hiddenFill>
+            </a:ext>
+          </a:extLst>
+        </p:spPr>
+      </p:pic>
     </p:spTree>
     <p:extLst>
       <p:ext uri="{BB962C8B-B14F-4D97-AF65-F5344CB8AC3E}">
@@ -14053,6 +14524,53 @@
           </a:p>
         </p:txBody>
       </p:sp>
+      <p:pic>
+        <p:nvPicPr>
+          <p:cNvPr id="2" name="Picture 6">
+            <a:extLst>
+              <a:ext uri="{FF2B5EF4-FFF2-40B4-BE49-F238E27FC236}">
+                <a16:creationId xmlns:a16="http://schemas.microsoft.com/office/drawing/2014/main" id="{110A53F1-F7F3-080B-055E-8DB96F28D7BF}"/>
+              </a:ext>
+            </a:extLst>
+          </p:cNvPr>
+          <p:cNvPicPr>
+            <a:picLocks noChangeAspect="1" noChangeArrowheads="1"/>
+          </p:cNvPicPr>
+          <p:nvPr/>
+        </p:nvPicPr>
+        <p:blipFill>
+          <a:blip r:embed="rId4">
+            <a:extLst>
+              <a:ext uri="{28A0092B-C50C-407E-A947-70E740481C1C}">
+                <a14:useLocalDpi xmlns:a14="http://schemas.microsoft.com/office/drawing/2010/main" val="0"/>
+              </a:ext>
+            </a:extLst>
+          </a:blip>
+          <a:srcRect/>
+          <a:stretch>
+            <a:fillRect/>
+          </a:stretch>
+        </p:blipFill>
+        <p:spPr bwMode="auto">
+          <a:xfrm>
+            <a:off x="10978092" y="58069"/>
+            <a:ext cx="1075268" cy="818996"/>
+          </a:xfrm>
+          <a:prstGeom prst="rect">
+            <a:avLst/>
+          </a:prstGeom>
+          <a:noFill/>
+          <a:extLst>
+            <a:ext uri="{909E8E84-426E-40DD-AFC4-6F175D3DCCD1}">
+              <a14:hiddenFill xmlns:a14="http://schemas.microsoft.com/office/drawing/2010/main">
+                <a:solidFill>
+                  <a:srgbClr val="FFFFFF"/>
+                </a:solidFill>
+              </a14:hiddenFill>
+            </a:ext>
+          </a:extLst>
+        </p:spPr>
+      </p:pic>
     </p:spTree>
     <p:extLst>
       <p:ext uri="{BB962C8B-B14F-4D97-AF65-F5344CB8AC3E}">
@@ -14944,6 +15462,53 @@
               <a:schemeClr val="bg1"/>
             </a:solidFill>
           </a:ln>
+        </p:spPr>
+      </p:pic>
+      <p:pic>
+        <p:nvPicPr>
+          <p:cNvPr id="2" name="Picture 6">
+            <a:extLst>
+              <a:ext uri="{FF2B5EF4-FFF2-40B4-BE49-F238E27FC236}">
+                <a16:creationId xmlns:a16="http://schemas.microsoft.com/office/drawing/2014/main" id="{2569661C-15E0-F330-62CE-2E290574C7F9}"/>
+              </a:ext>
+            </a:extLst>
+          </p:cNvPr>
+          <p:cNvPicPr>
+            <a:picLocks noChangeAspect="1" noChangeArrowheads="1"/>
+          </p:cNvPicPr>
+          <p:nvPr/>
+        </p:nvPicPr>
+        <p:blipFill>
+          <a:blip r:embed="rId5">
+            <a:extLst>
+              <a:ext uri="{28A0092B-C50C-407E-A947-70E740481C1C}">
+                <a14:useLocalDpi xmlns:a14="http://schemas.microsoft.com/office/drawing/2010/main" val="0"/>
+              </a:ext>
+            </a:extLst>
+          </a:blip>
+          <a:srcRect/>
+          <a:stretch>
+            <a:fillRect/>
+          </a:stretch>
+        </p:blipFill>
+        <p:spPr bwMode="auto">
+          <a:xfrm>
+            <a:off x="10978092" y="58069"/>
+            <a:ext cx="1075268" cy="818996"/>
+          </a:xfrm>
+          <a:prstGeom prst="rect">
+            <a:avLst/>
+          </a:prstGeom>
+          <a:noFill/>
+          <a:extLst>
+            <a:ext uri="{909E8E84-426E-40DD-AFC4-6F175D3DCCD1}">
+              <a14:hiddenFill xmlns:a14="http://schemas.microsoft.com/office/drawing/2010/main">
+                <a:solidFill>
+                  <a:srgbClr val="FFFFFF"/>
+                </a:solidFill>
+              </a14:hiddenFill>
+            </a:ext>
+          </a:extLst>
         </p:spPr>
       </p:pic>
     </p:spTree>
@@ -16075,6 +16640,53 @@
           </a:p>
         </p:txBody>
       </p:sp>
+      <p:pic>
+        <p:nvPicPr>
+          <p:cNvPr id="3" name="Picture 6">
+            <a:extLst>
+              <a:ext uri="{FF2B5EF4-FFF2-40B4-BE49-F238E27FC236}">
+                <a16:creationId xmlns:a16="http://schemas.microsoft.com/office/drawing/2014/main" id="{AA6C7A05-A041-B55C-D20A-C162DDCA77E9}"/>
+              </a:ext>
+            </a:extLst>
+          </p:cNvPr>
+          <p:cNvPicPr>
+            <a:picLocks noChangeAspect="1" noChangeArrowheads="1"/>
+          </p:cNvPicPr>
+          <p:nvPr/>
+        </p:nvPicPr>
+        <p:blipFill>
+          <a:blip r:embed="rId7">
+            <a:extLst>
+              <a:ext uri="{28A0092B-C50C-407E-A947-70E740481C1C}">
+                <a14:useLocalDpi xmlns:a14="http://schemas.microsoft.com/office/drawing/2010/main" val="0"/>
+              </a:ext>
+            </a:extLst>
+          </a:blip>
+          <a:srcRect/>
+          <a:stretch>
+            <a:fillRect/>
+          </a:stretch>
+        </p:blipFill>
+        <p:spPr bwMode="auto">
+          <a:xfrm>
+            <a:off x="10978092" y="58069"/>
+            <a:ext cx="1075268" cy="818996"/>
+          </a:xfrm>
+          <a:prstGeom prst="rect">
+            <a:avLst/>
+          </a:prstGeom>
+          <a:noFill/>
+          <a:extLst>
+            <a:ext uri="{909E8E84-426E-40DD-AFC4-6F175D3DCCD1}">
+              <a14:hiddenFill xmlns:a14="http://schemas.microsoft.com/office/drawing/2010/main">
+                <a:solidFill>
+                  <a:srgbClr val="FFFFFF"/>
+                </a:solidFill>
+              </a14:hiddenFill>
+            </a:ext>
+          </a:extLst>
+        </p:spPr>
+      </p:pic>
     </p:spTree>
     <p:extLst>
       <p:ext uri="{BB962C8B-B14F-4D97-AF65-F5344CB8AC3E}">
@@ -17050,6 +17662,53 @@
           </a:p>
         </p:txBody>
       </p:sp>
+      <p:pic>
+        <p:nvPicPr>
+          <p:cNvPr id="2" name="Picture 6">
+            <a:extLst>
+              <a:ext uri="{FF2B5EF4-FFF2-40B4-BE49-F238E27FC236}">
+                <a16:creationId xmlns:a16="http://schemas.microsoft.com/office/drawing/2014/main" id="{256B276E-CCCE-DCCF-7C77-14BBBC00354E}"/>
+              </a:ext>
+            </a:extLst>
+          </p:cNvPr>
+          <p:cNvPicPr>
+            <a:picLocks noChangeAspect="1" noChangeArrowheads="1"/>
+          </p:cNvPicPr>
+          <p:nvPr/>
+        </p:nvPicPr>
+        <p:blipFill>
+          <a:blip r:embed="rId5">
+            <a:extLst>
+              <a:ext uri="{28A0092B-C50C-407E-A947-70E740481C1C}">
+                <a14:useLocalDpi xmlns:a14="http://schemas.microsoft.com/office/drawing/2010/main" val="0"/>
+              </a:ext>
+            </a:extLst>
+          </a:blip>
+          <a:srcRect/>
+          <a:stretch>
+            <a:fillRect/>
+          </a:stretch>
+        </p:blipFill>
+        <p:spPr bwMode="auto">
+          <a:xfrm>
+            <a:off x="10978092" y="58069"/>
+            <a:ext cx="1075268" cy="818996"/>
+          </a:xfrm>
+          <a:prstGeom prst="rect">
+            <a:avLst/>
+          </a:prstGeom>
+          <a:noFill/>
+          <a:extLst>
+            <a:ext uri="{909E8E84-426E-40DD-AFC4-6F175D3DCCD1}">
+              <a14:hiddenFill xmlns:a14="http://schemas.microsoft.com/office/drawing/2010/main">
+                <a:solidFill>
+                  <a:srgbClr val="FFFFFF"/>
+                </a:solidFill>
+              </a14:hiddenFill>
+            </a:ext>
+          </a:extLst>
+        </p:spPr>
+      </p:pic>
     </p:spTree>
     <p:extLst>
       <p:ext uri="{BB962C8B-B14F-4D97-AF65-F5344CB8AC3E}">
@@ -18042,6 +18701,53 @@
           </a:p>
         </p:txBody>
       </p:sp>
+      <p:pic>
+        <p:nvPicPr>
+          <p:cNvPr id="3" name="Picture 6">
+            <a:extLst>
+              <a:ext uri="{FF2B5EF4-FFF2-40B4-BE49-F238E27FC236}">
+                <a16:creationId xmlns:a16="http://schemas.microsoft.com/office/drawing/2014/main" id="{B1A65837-D223-81D3-0117-CEEFDB535AF9}"/>
+              </a:ext>
+            </a:extLst>
+          </p:cNvPr>
+          <p:cNvPicPr>
+            <a:picLocks noChangeAspect="1" noChangeArrowheads="1"/>
+          </p:cNvPicPr>
+          <p:nvPr/>
+        </p:nvPicPr>
+        <p:blipFill>
+          <a:blip r:embed="rId4">
+            <a:extLst>
+              <a:ext uri="{28A0092B-C50C-407E-A947-70E740481C1C}">
+                <a14:useLocalDpi xmlns:a14="http://schemas.microsoft.com/office/drawing/2010/main" val="0"/>
+              </a:ext>
+            </a:extLst>
+          </a:blip>
+          <a:srcRect/>
+          <a:stretch>
+            <a:fillRect/>
+          </a:stretch>
+        </p:blipFill>
+        <p:spPr bwMode="auto">
+          <a:xfrm>
+            <a:off x="10978092" y="58069"/>
+            <a:ext cx="1075268" cy="818996"/>
+          </a:xfrm>
+          <a:prstGeom prst="rect">
+            <a:avLst/>
+          </a:prstGeom>
+          <a:noFill/>
+          <a:extLst>
+            <a:ext uri="{909E8E84-426E-40DD-AFC4-6F175D3DCCD1}">
+              <a14:hiddenFill xmlns:a14="http://schemas.microsoft.com/office/drawing/2010/main">
+                <a:solidFill>
+                  <a:srgbClr val="FFFFFF"/>
+                </a:solidFill>
+              </a14:hiddenFill>
+            </a:ext>
+          </a:extLst>
+        </p:spPr>
+      </p:pic>
     </p:spTree>
     <p:extLst>
       <p:ext uri="{BB962C8B-B14F-4D97-AF65-F5344CB8AC3E}">
@@ -18137,8 +18843,8 @@
         </p:nvGrpSpPr>
         <p:grpSpPr>
           <a:xfrm>
-            <a:off x="3743325" y="737313"/>
-            <a:ext cx="3990975" cy="277200"/>
+            <a:off x="2009775" y="737314"/>
+            <a:ext cx="7343775" cy="277198"/>
             <a:chOff x="495300" y="2900260"/>
             <a:chExt cx="12192000" cy="660305"/>
           </a:xfrm>
@@ -18320,7 +19026,7 @@
         </p:nvSpPr>
         <p:spPr>
           <a:xfrm>
-            <a:off x="676274" y="29428"/>
+            <a:off x="676274" y="0"/>
             <a:ext cx="10153650" cy="707886"/>
           </a:xfrm>
           <a:prstGeom prst="rect">
@@ -18471,7 +19177,7 @@
           <p:nvPr>
             <p:extLst>
               <p:ext uri="{D42A27DB-BD31-4B8C-83A1-F6EECF244321}">
-                <p14:modId xmlns:p14="http://schemas.microsoft.com/office/powerpoint/2010/main" val="4249643268"/>
+                <p14:modId xmlns:p14="http://schemas.microsoft.com/office/powerpoint/2010/main" val="3476875855"/>
               </p:ext>
             </p:extLst>
           </p:nvPr>
@@ -18484,7 +19190,7 @@
           <a:graphicData uri="http://schemas.openxmlformats.org/drawingml/2006/table">
             <a:tbl>
               <a:tblPr firstRow="1" bandRow="1">
-                <a:tableStyleId>{5C22544A-7EE6-4342-B048-85BDC9FD1C3A}</a:tableStyleId>
+                <a:tableStyleId>{073A0DAA-6AF3-43AB-8588-CEC1D06C72B9}</a:tableStyleId>
               </a:tblPr>
               <a:tblGrid>
                 <a:gridCol w="647701">
@@ -18587,10 +19293,15 @@
                           <a:solidFill>
                             <a:srgbClr val="24292F"/>
                           </a:solidFill>
-                          <a:cs typeface="Times New Roman" panose="02020603050405020304" pitchFamily="18" charset="0"/>
                         </a:rPr>
                         <a:t>1</a:t>
                       </a:r>
+                      <a:endParaRPr lang="en-IN" sz="1100" b="1" dirty="0">
+                        <a:solidFill>
+                          <a:srgbClr val="24292F"/>
+                        </a:solidFill>
+                        <a:cs typeface="Times New Roman" panose="02020603050405020304" pitchFamily="18" charset="0"/>
+                      </a:endParaRPr>
                     </a:p>
                   </a:txBody>
                   <a:tcPr/>
@@ -18622,7 +19333,6 @@
                           <a:solidFill>
                             <a:srgbClr val="24292F"/>
                           </a:solidFill>
-                          <a:cs typeface="Times New Roman" panose="02020603050405020304" pitchFamily="18" charset="0"/>
                         </a:rPr>
                         <a:t>Casual users- </a:t>
                       </a:r>
@@ -18631,7 +19341,6 @@
                           <a:solidFill>
                             <a:srgbClr val="24292F"/>
                           </a:solidFill>
-                          <a:cs typeface="Times New Roman" panose="02020603050405020304" pitchFamily="18" charset="0"/>
                         </a:rPr>
                         <a:t>4,069</a:t>
                       </a:r>
@@ -18640,7 +19349,6 @@
                           <a:solidFill>
                             <a:srgbClr val="24292F"/>
                           </a:solidFill>
-                          <a:cs typeface="Times New Roman" panose="02020603050405020304" pitchFamily="18" charset="0"/>
                         </a:rPr>
                         <a:t>; Annual members- </a:t>
                       </a:r>
@@ -18649,7 +19357,6 @@
                           <a:solidFill>
                             <a:srgbClr val="24292F"/>
                           </a:solidFill>
-                          <a:cs typeface="Times New Roman" panose="02020603050405020304" pitchFamily="18" charset="0"/>
                         </a:rPr>
                         <a:t>3,347</a:t>
                       </a:r>
@@ -18658,7 +19365,6 @@
                           <a:solidFill>
                             <a:srgbClr val="24292F"/>
                           </a:solidFill>
-                          <a:cs typeface="Times New Roman" panose="02020603050405020304" pitchFamily="18" charset="0"/>
                         </a:rPr>
                         <a:t>; Difference is </a:t>
                       </a:r>
@@ -18667,10 +19373,15 @@
                           <a:solidFill>
                             <a:srgbClr val="24292F"/>
                           </a:solidFill>
-                          <a:cs typeface="Times New Roman" panose="02020603050405020304" pitchFamily="18" charset="0"/>
                         </a:rPr>
                         <a:t>722</a:t>
                       </a:r>
+                      <a:endParaRPr lang="en-IN" sz="1100" b="1" dirty="0">
+                        <a:solidFill>
+                          <a:srgbClr val="24292F"/>
+                        </a:solidFill>
+                        <a:cs typeface="Times New Roman" panose="02020603050405020304" pitchFamily="18" charset="0"/>
+                      </a:endParaRPr>
                     </a:p>
                   </a:txBody>
                   <a:tcPr/>
@@ -18723,11 +19434,17 @@
                             <a:srgbClr val="24292F"/>
                           </a:solidFill>
                           <a:effectLst/>
-                          <a:ea typeface="Times New Roman" panose="02020603050405020304" pitchFamily="18" charset="0"/>
-                          <a:cs typeface="Times New Roman" panose="02020603050405020304" pitchFamily="18" charset="0"/>
                         </a:rPr>
                         <a:t>2</a:t>
                       </a:r>
+                      <a:endParaRPr lang="en-IN" sz="1100" b="1" dirty="0">
+                        <a:solidFill>
+                          <a:srgbClr val="24292F"/>
+                        </a:solidFill>
+                        <a:effectLst/>
+                        <a:ea typeface="Times New Roman" panose="02020603050405020304" pitchFamily="18" charset="0"/>
+                        <a:cs typeface="Times New Roman" panose="02020603050405020304" pitchFamily="18" charset="0"/>
+                      </a:endParaRPr>
                     </a:p>
                   </a:txBody>
                   <a:tcPr/>
@@ -18759,12 +19476,17 @@
                           <a:solidFill>
                             <a:schemeClr val="dk1"/>
                           </a:solidFill>
-                          <a:latin typeface="+mn-lt"/>
-                          <a:ea typeface="+mn-ea"/>
-                          <a:cs typeface="+mn-cs"/>
                         </a:rPr>
                         <a:t>Electric bike users- 4012 ; Classis bike users- 3401; Docked bike users- 3</a:t>
                       </a:r>
+                      <a:endParaRPr lang="en-IN" sz="1100" kern="1200" dirty="0">
+                        <a:solidFill>
+                          <a:schemeClr val="dk1"/>
+                        </a:solidFill>
+                        <a:latin typeface="+mn-lt"/>
+                        <a:ea typeface="+mn-ea"/>
+                        <a:cs typeface="+mn-cs"/>
+                      </a:endParaRPr>
                     </a:p>
                   </a:txBody>
                   <a:tcPr/>
@@ -18796,12 +19518,17 @@
                           <a:solidFill>
                             <a:schemeClr val="dk1"/>
                           </a:solidFill>
-                          <a:latin typeface="+mn-lt"/>
-                          <a:ea typeface="+mn-ea"/>
-                          <a:cs typeface="+mn-cs"/>
                         </a:rPr>
                         <a:t>Since there are only a few users using the docked bike. We recommend that the company should stop investing in the docked bikes and should use its money and inventory for Electric bike</a:t>
                       </a:r>
+                      <a:endParaRPr lang="en-IN" sz="1100" kern="1200" dirty="0">
+                        <a:solidFill>
+                          <a:schemeClr val="dk1"/>
+                        </a:solidFill>
+                        <a:latin typeface="+mn-lt"/>
+                        <a:ea typeface="+mn-ea"/>
+                        <a:cs typeface="+mn-cs"/>
+                      </a:endParaRPr>
                     </a:p>
                   </a:txBody>
                   <a:tcPr/>
@@ -18841,11 +19568,17 @@
                             <a:srgbClr val="24292F"/>
                           </a:solidFill>
                           <a:effectLst/>
-                          <a:ea typeface="Times New Roman" panose="02020603050405020304" pitchFamily="18" charset="0"/>
-                          <a:cs typeface="Times New Roman" panose="02020603050405020304" pitchFamily="18" charset="0"/>
                         </a:rPr>
                         <a:t>3</a:t>
                       </a:r>
+                      <a:endParaRPr lang="en-IN" sz="1100" b="1" dirty="0">
+                        <a:solidFill>
+                          <a:srgbClr val="24292F"/>
+                        </a:solidFill>
+                        <a:effectLst/>
+                        <a:ea typeface="Times New Roman" panose="02020603050405020304" pitchFamily="18" charset="0"/>
+                        <a:cs typeface="Times New Roman" panose="02020603050405020304" pitchFamily="18" charset="0"/>
+                      </a:endParaRPr>
                     </a:p>
                   </a:txBody>
                   <a:tcPr/>
@@ -18878,8 +19611,6 @@
                             <a:srgbClr val="24292F"/>
                           </a:solidFill>
                           <a:effectLst/>
-                          <a:ea typeface="Times New Roman" panose="02020603050405020304" pitchFamily="18" charset="0"/>
-                          <a:cs typeface="Times New Roman" panose="02020603050405020304" pitchFamily="18" charset="0"/>
                         </a:rPr>
                         <a:t>Casual members prefer electric bikes </a:t>
                       </a:r>
@@ -18889,8 +19620,6 @@
                             <a:srgbClr val="24292F"/>
                           </a:solidFill>
                           <a:effectLst/>
-                          <a:ea typeface="Times New Roman" panose="02020603050405020304" pitchFamily="18" charset="0"/>
-                          <a:cs typeface="Times New Roman" panose="02020603050405020304" pitchFamily="18" charset="0"/>
                         </a:rPr>
                         <a:t>over classic bikes- around </a:t>
                       </a:r>
@@ -18900,8 +19629,6 @@
                             <a:srgbClr val="24292F"/>
                           </a:solidFill>
                           <a:effectLst/>
-                          <a:ea typeface="Times New Roman" panose="02020603050405020304" pitchFamily="18" charset="0"/>
-                          <a:cs typeface="Times New Roman" panose="02020603050405020304" pitchFamily="18" charset="0"/>
                         </a:rPr>
                         <a:t>680</a:t>
                       </a:r>
@@ -18911,23 +19638,15 @@
                             <a:srgbClr val="24292F"/>
                           </a:solidFill>
                           <a:effectLst/>
-                          <a:ea typeface="Times New Roman" panose="02020603050405020304" pitchFamily="18" charset="0"/>
-                          <a:cs typeface="Times New Roman" panose="02020603050405020304" pitchFamily="18" charset="0"/>
                         </a:rPr>
                         <a:t> users</a:t>
                       </a:r>
                       <a:r>
-                        <a:rPr lang="en-IN" sz="1100" dirty="0">
-                          <a:ea typeface="Times New Roman" panose="02020603050405020304" pitchFamily="18" charset="0"/>
-                          <a:cs typeface="Times New Roman" panose="02020603050405020304" pitchFamily="18" charset="0"/>
-                        </a:rPr>
+                        <a:rPr lang="en-IN" sz="1100" dirty="0"/>
                         <a:t>; </a:t>
                       </a:r>
                       <a:r>
-                        <a:rPr lang="en-IN" sz="1100" b="1" dirty="0">
-                          <a:ea typeface="Times New Roman" panose="02020603050405020304" pitchFamily="18" charset="0"/>
-                          <a:cs typeface="Times New Roman" panose="02020603050405020304" pitchFamily="18" charset="0"/>
-                        </a:rPr>
+                        <a:rPr lang="en-IN" sz="1100" b="1" dirty="0"/>
                         <a:t>n</a:t>
                       </a:r>
                       <a:r>
@@ -18936,11 +19655,17 @@
                             <a:srgbClr val="24292F"/>
                           </a:solidFill>
                           <a:effectLst/>
-                          <a:ea typeface="Times New Roman" panose="02020603050405020304" pitchFamily="18" charset="0"/>
-                          <a:cs typeface="Times New Roman" panose="02020603050405020304" pitchFamily="18" charset="0"/>
                         </a:rPr>
                         <a:t>o significant difference in annual member’s bike preference</a:t>
                       </a:r>
+                      <a:endParaRPr lang="en-IN" sz="1100" b="1" dirty="0">
+                        <a:solidFill>
+                          <a:srgbClr val="24292F"/>
+                        </a:solidFill>
+                        <a:effectLst/>
+                        <a:ea typeface="Times New Roman" panose="02020603050405020304" pitchFamily="18" charset="0"/>
+                        <a:cs typeface="Times New Roman" panose="02020603050405020304" pitchFamily="18" charset="0"/>
+                      </a:endParaRPr>
                     </a:p>
                   </a:txBody>
                   <a:tcPr/>
@@ -18980,11 +19705,17 @@
                             <a:srgbClr val="24292F"/>
                           </a:solidFill>
                           <a:effectLst/>
-                          <a:ea typeface="Calibri" panose="020F0502020204030204" pitchFamily="34" charset="0"/>
-                          <a:cs typeface="Times New Roman" panose="02020603050405020304" pitchFamily="18" charset="0"/>
                         </a:rPr>
                         <a:t>4</a:t>
                       </a:r>
+                      <a:endParaRPr lang="en-IN" sz="1100" dirty="0">
+                        <a:solidFill>
+                          <a:srgbClr val="24292F"/>
+                        </a:solidFill>
+                        <a:effectLst/>
+                        <a:ea typeface="Calibri" panose="020F0502020204030204" pitchFamily="34" charset="0"/>
+                        <a:cs typeface="Times New Roman" panose="02020603050405020304" pitchFamily="18" charset="0"/>
+                      </a:endParaRPr>
                     </a:p>
                   </a:txBody>
                   <a:tcPr/>
@@ -19004,8 +19735,6 @@
                             <a:srgbClr val="24292F"/>
                           </a:solidFill>
                           <a:effectLst/>
-                          <a:ea typeface="Times New Roman" panose="02020603050405020304" pitchFamily="18" charset="0"/>
-                          <a:cs typeface="Times New Roman" panose="02020603050405020304" pitchFamily="18" charset="0"/>
                         </a:rPr>
                         <a:t>Saturdays and Wednesdays </a:t>
                       </a:r>
@@ -19015,8 +19744,6 @@
                             <a:srgbClr val="24292F"/>
                           </a:solidFill>
                           <a:effectLst/>
-                          <a:ea typeface="Times New Roman" panose="02020603050405020304" pitchFamily="18" charset="0"/>
-                          <a:cs typeface="Times New Roman" panose="02020603050405020304" pitchFamily="18" charset="0"/>
                         </a:rPr>
                         <a:t>have the </a:t>
                       </a:r>
@@ -19026,8 +19753,6 @@
                             <a:srgbClr val="24292F"/>
                           </a:solidFill>
                           <a:effectLst/>
-                          <a:ea typeface="Times New Roman" panose="02020603050405020304" pitchFamily="18" charset="0"/>
-                          <a:cs typeface="Times New Roman" panose="02020603050405020304" pitchFamily="18" charset="0"/>
                         </a:rPr>
                         <a:t>most number of users </a:t>
                       </a:r>
@@ -19037,8 +19762,6 @@
                             <a:srgbClr val="24292F"/>
                           </a:solidFill>
                           <a:effectLst/>
-                          <a:ea typeface="Times New Roman" panose="02020603050405020304" pitchFamily="18" charset="0"/>
-                          <a:cs typeface="Times New Roman" panose="02020603050405020304" pitchFamily="18" charset="0"/>
                         </a:rPr>
                         <a:t>and </a:t>
                       </a:r>
@@ -19048,8 +19771,6 @@
                             <a:srgbClr val="24292F"/>
                           </a:solidFill>
                           <a:effectLst/>
-                          <a:ea typeface="Times New Roman" panose="02020603050405020304" pitchFamily="18" charset="0"/>
-                          <a:cs typeface="Times New Roman" panose="02020603050405020304" pitchFamily="18" charset="0"/>
                         </a:rPr>
                         <a:t>Sunday has least</a:t>
                       </a:r>
@@ -19143,19 +19864,15 @@
                             <a:srgbClr val="24292F"/>
                           </a:solidFill>
                           <a:effectLst/>
-                          <a:ea typeface="Times New Roman" panose="02020603050405020304" pitchFamily="18" charset="0"/>
-                          <a:cs typeface="Times New Roman" panose="02020603050405020304" pitchFamily="18" charset="0"/>
                         </a:rPr>
                         <a:t>During the </a:t>
                       </a:r>
                       <a:r>
-                        <a:rPr lang="en-IN" sz="1100" b="1" i="1" dirty="0">
+                        <a:rPr lang="en-IN" sz="1100" b="1" dirty="0">
                           <a:solidFill>
                             <a:srgbClr val="24292F"/>
                           </a:solidFill>
                           <a:effectLst/>
-                          <a:ea typeface="Times New Roman" panose="02020603050405020304" pitchFamily="18" charset="0"/>
-                          <a:cs typeface="Times New Roman" panose="02020603050405020304" pitchFamily="18" charset="0"/>
                         </a:rPr>
                         <a:t>weekend</a:t>
                       </a:r>
@@ -19165,8 +19882,6 @@
                             <a:srgbClr val="24292F"/>
                           </a:solidFill>
                           <a:effectLst/>
-                          <a:ea typeface="Times New Roman" panose="02020603050405020304" pitchFamily="18" charset="0"/>
-                          <a:cs typeface="Times New Roman" panose="02020603050405020304" pitchFamily="18" charset="0"/>
                         </a:rPr>
                         <a:t> hours, the </a:t>
                       </a:r>
@@ -19176,8 +19891,6 @@
                             <a:srgbClr val="24292F"/>
                           </a:solidFill>
                           <a:effectLst/>
-                          <a:ea typeface="Times New Roman" panose="02020603050405020304" pitchFamily="18" charset="0"/>
-                          <a:cs typeface="Times New Roman" panose="02020603050405020304" pitchFamily="18" charset="0"/>
                         </a:rPr>
                         <a:t>rush hour starts at 9:00 am </a:t>
                       </a:r>
@@ -19187,21 +19900,8 @@
                             <a:srgbClr val="24292F"/>
                           </a:solidFill>
                           <a:effectLst/>
-                          <a:ea typeface="Times New Roman" panose="02020603050405020304" pitchFamily="18" charset="0"/>
-                          <a:cs typeface="Times New Roman" panose="02020603050405020304" pitchFamily="18" charset="0"/>
                         </a:rPr>
                         <a:t>while on the </a:t>
-                      </a:r>
-                      <a:r>
-                        <a:rPr lang="en-IN" sz="1100" b="1" i="1" dirty="0">
-                          <a:solidFill>
-                            <a:srgbClr val="24292F"/>
-                          </a:solidFill>
-                          <a:effectLst/>
-                          <a:ea typeface="Times New Roman" panose="02020603050405020304" pitchFamily="18" charset="0"/>
-                          <a:cs typeface="Times New Roman" panose="02020603050405020304" pitchFamily="18" charset="0"/>
-                        </a:rPr>
-                        <a:t>weekdays</a:t>
                       </a:r>
                       <a:r>
                         <a:rPr lang="en-IN" sz="1100" b="1" dirty="0">
@@ -19209,10 +19909,8 @@
                             <a:srgbClr val="24292F"/>
                           </a:solidFill>
                           <a:effectLst/>
-                          <a:ea typeface="Times New Roman" panose="02020603050405020304" pitchFamily="18" charset="0"/>
-                          <a:cs typeface="Times New Roman" panose="02020603050405020304" pitchFamily="18" charset="0"/>
                         </a:rPr>
-                        <a:t> it starts </a:t>
+                        <a:t>weekdays it starts </a:t>
                       </a:r>
                       <a:r>
                         <a:rPr lang="en-IN" sz="1100" dirty="0">
@@ -19220,8 +19918,6 @@
                             <a:srgbClr val="24292F"/>
                           </a:solidFill>
                           <a:effectLst/>
-                          <a:ea typeface="Times New Roman" panose="02020603050405020304" pitchFamily="18" charset="0"/>
-                          <a:cs typeface="Times New Roman" panose="02020603050405020304" pitchFamily="18" charset="0"/>
                         </a:rPr>
                         <a:t>earlier at </a:t>
                       </a:r>
@@ -19231,8 +19927,6 @@
                             <a:srgbClr val="24292F"/>
                           </a:solidFill>
                           <a:effectLst/>
-                          <a:ea typeface="Times New Roman" panose="02020603050405020304" pitchFamily="18" charset="0"/>
-                          <a:cs typeface="Times New Roman" panose="02020603050405020304" pitchFamily="18" charset="0"/>
                         </a:rPr>
                         <a:t>6:00 am</a:t>
                       </a:r>
@@ -19242,54 +19936,8 @@
                             <a:srgbClr val="24292F"/>
                           </a:solidFill>
                           <a:effectLst/>
-                          <a:ea typeface="Times New Roman" panose="02020603050405020304" pitchFamily="18" charset="0"/>
-                          <a:cs typeface="Times New Roman" panose="02020603050405020304" pitchFamily="18" charset="0"/>
                         </a:rPr>
-                        <a:t>. Also, on most of the </a:t>
-                      </a:r>
-                      <a:r>
-                        <a:rPr lang="en-IN" sz="1100" i="1" dirty="0">
-                          <a:solidFill>
-                            <a:srgbClr val="24292F"/>
-                          </a:solidFill>
-                          <a:effectLst/>
-                          <a:ea typeface="Times New Roman" panose="02020603050405020304" pitchFamily="18" charset="0"/>
-                          <a:cs typeface="Times New Roman" panose="02020603050405020304" pitchFamily="18" charset="0"/>
-                        </a:rPr>
-                        <a:t>weekdays,</a:t>
-                      </a:r>
-                      <a:r>
-                        <a:rPr lang="en-IN" sz="1100" dirty="0">
-                          <a:solidFill>
-                            <a:srgbClr val="24292F"/>
-                          </a:solidFill>
-                          <a:effectLst/>
-                          <a:ea typeface="Times New Roman" panose="02020603050405020304" pitchFamily="18" charset="0"/>
-                          <a:cs typeface="Times New Roman" panose="02020603050405020304" pitchFamily="18" charset="0"/>
-                        </a:rPr>
-                        <a:t> the line does not drop until 9:00 pm but it drops a little earlier during the </a:t>
-                      </a:r>
-                      <a:r>
-                        <a:rPr lang="en-IN" sz="1100" i="1" dirty="0">
-                          <a:solidFill>
-                            <a:srgbClr val="24292F"/>
-                          </a:solidFill>
-                          <a:effectLst/>
-                          <a:ea typeface="Times New Roman" panose="02020603050405020304" pitchFamily="18" charset="0"/>
-                          <a:cs typeface="Times New Roman" panose="02020603050405020304" pitchFamily="18" charset="0"/>
-                        </a:rPr>
-                        <a:t>weekends</a:t>
-                      </a:r>
-                      <a:r>
-                        <a:rPr lang="en-IN" sz="1100" dirty="0">
-                          <a:solidFill>
-                            <a:srgbClr val="24292F"/>
-                          </a:solidFill>
-                          <a:effectLst/>
-                          <a:ea typeface="Times New Roman" panose="02020603050405020304" pitchFamily="18" charset="0"/>
-                          <a:cs typeface="Times New Roman" panose="02020603050405020304" pitchFamily="18" charset="0"/>
-                        </a:rPr>
-                        <a:t> at 8:00 pm</a:t>
+                        <a:t>. Also, on most of the weekdays, the line does not drop until 9:00 pm but it drops a little earlier during the weekends at 8:00 pm</a:t>
                       </a:r>
                       <a:endParaRPr lang="en-IN" sz="1100" dirty="0"/>
                     </a:p>
@@ -19339,12 +19987,13 @@
                         <a:defRPr/>
                       </a:pPr>
                       <a:r>
-                        <a:rPr lang="en-IN" sz="1100" dirty="0">
-                          <a:ea typeface="Times New Roman" panose="02020603050405020304" pitchFamily="18" charset="0"/>
-                          <a:cs typeface="Times New Roman" panose="02020603050405020304" pitchFamily="18" charset="0"/>
-                        </a:rPr>
+                        <a:rPr lang="en-IN" sz="1100" dirty="0"/>
                         <a:t>6</a:t>
                       </a:r>
+                      <a:endParaRPr lang="en-IN" sz="1100" dirty="0">
+                        <a:ea typeface="Times New Roman" panose="02020603050405020304" pitchFamily="18" charset="0"/>
+                        <a:cs typeface="Times New Roman" panose="02020603050405020304" pitchFamily="18" charset="0"/>
+                      </a:endParaRPr>
                     </a:p>
                   </a:txBody>
                   <a:tcPr/>
@@ -19377,8 +20026,6 @@
                             <a:srgbClr val="24292F"/>
                           </a:solidFill>
                           <a:effectLst/>
-                          <a:ea typeface="Times New Roman" panose="02020603050405020304" pitchFamily="18" charset="0"/>
-                          <a:cs typeface="Times New Roman" panose="02020603050405020304" pitchFamily="18" charset="0"/>
                         </a:rPr>
                         <a:t>The </a:t>
                       </a:r>
@@ -19388,8 +20035,6 @@
                             <a:srgbClr val="24292F"/>
                           </a:solidFill>
                           <a:effectLst/>
-                          <a:ea typeface="Times New Roman" panose="02020603050405020304" pitchFamily="18" charset="0"/>
-                          <a:cs typeface="Times New Roman" panose="02020603050405020304" pitchFamily="18" charset="0"/>
                         </a:rPr>
                         <a:t>peak hours </a:t>
                       </a:r>
@@ -19399,8 +20044,6 @@
                             <a:srgbClr val="24292F"/>
                           </a:solidFill>
                           <a:effectLst/>
-                          <a:ea typeface="Times New Roman" panose="02020603050405020304" pitchFamily="18" charset="0"/>
-                          <a:cs typeface="Times New Roman" panose="02020603050405020304" pitchFamily="18" charset="0"/>
                         </a:rPr>
                         <a:t>of August is between </a:t>
                       </a:r>
@@ -19410,8 +20053,6 @@
                             <a:srgbClr val="24292F"/>
                           </a:solidFill>
                           <a:effectLst/>
-                          <a:ea typeface="Times New Roman" panose="02020603050405020304" pitchFamily="18" charset="0"/>
-                          <a:cs typeface="Times New Roman" panose="02020603050405020304" pitchFamily="18" charset="0"/>
                         </a:rPr>
                         <a:t>3:00 pm to 7:30 pm </a:t>
                       </a:r>
@@ -19421,8 +20062,6 @@
                             <a:srgbClr val="24292F"/>
                           </a:solidFill>
                           <a:effectLst/>
-                          <a:ea typeface="Times New Roman" panose="02020603050405020304" pitchFamily="18" charset="0"/>
-                          <a:cs typeface="Times New Roman" panose="02020603050405020304" pitchFamily="18" charset="0"/>
                         </a:rPr>
                         <a:t>with above </a:t>
                       </a:r>
@@ -19432,8 +20071,6 @@
                             <a:srgbClr val="24292F"/>
                           </a:solidFill>
                           <a:effectLst/>
-                          <a:ea typeface="Times New Roman" panose="02020603050405020304" pitchFamily="18" charset="0"/>
-                          <a:cs typeface="Times New Roman" panose="02020603050405020304" pitchFamily="18" charset="0"/>
                         </a:rPr>
                         <a:t>400</a:t>
                       </a:r>
@@ -19443,8 +20080,6 @@
                             <a:srgbClr val="24292F"/>
                           </a:solidFill>
                           <a:effectLst/>
-                          <a:ea typeface="Times New Roman" panose="02020603050405020304" pitchFamily="18" charset="0"/>
-                          <a:cs typeface="Times New Roman" panose="02020603050405020304" pitchFamily="18" charset="0"/>
                         </a:rPr>
                         <a:t> users</a:t>
                       </a:r>
@@ -19499,13 +20134,11 @@
                         <a:buNone/>
                       </a:pPr>
                       <a:r>
-                        <a:rPr lang="en-IN" sz="1100" b="1" i="1" dirty="0">
+                        <a:rPr lang="en-IN" sz="1100" b="1" dirty="0">
                           <a:solidFill>
                             <a:srgbClr val="24292F"/>
                           </a:solidFill>
                           <a:effectLst/>
-                          <a:ea typeface="Times New Roman" panose="02020603050405020304" pitchFamily="18" charset="0"/>
-                          <a:cs typeface="Times New Roman" panose="02020603050405020304" pitchFamily="18" charset="0"/>
                         </a:rPr>
                         <a:t>Top 5 stations: </a:t>
                       </a:r>
@@ -19515,8 +20148,6 @@
                             <a:srgbClr val="24292F"/>
                           </a:solidFill>
                           <a:effectLst/>
-                          <a:ea typeface="Times New Roman" panose="02020603050405020304" pitchFamily="18" charset="0"/>
-                          <a:cs typeface="Times New Roman" panose="02020603050405020304" pitchFamily="18" charset="0"/>
                         </a:rPr>
                         <a:t>Bicentennial Park</a:t>
                       </a:r>
@@ -19526,8 +20157,6 @@
                             <a:schemeClr val="dk1"/>
                           </a:solidFill>
                           <a:effectLst/>
-                          <a:ea typeface="Times New Roman" panose="02020603050405020304" pitchFamily="18" charset="0"/>
-                          <a:cs typeface="Times New Roman" panose="02020603050405020304" pitchFamily="18" charset="0"/>
                         </a:rPr>
                         <a:t>; </a:t>
                       </a:r>
@@ -19537,8 +20166,6 @@
                             <a:srgbClr val="24292F"/>
                           </a:solidFill>
                           <a:effectLst/>
-                          <a:ea typeface="Times New Roman" panose="02020603050405020304" pitchFamily="18" charset="0"/>
-                          <a:cs typeface="Times New Roman" panose="02020603050405020304" pitchFamily="18" charset="0"/>
                         </a:rPr>
                         <a:t>North Bank Park</a:t>
                       </a:r>
@@ -19548,8 +20175,6 @@
                             <a:schemeClr val="dk1"/>
                           </a:solidFill>
                           <a:effectLst/>
-                          <a:ea typeface="Times New Roman" panose="02020603050405020304" pitchFamily="18" charset="0"/>
-                          <a:cs typeface="Times New Roman" panose="02020603050405020304" pitchFamily="18" charset="0"/>
                         </a:rPr>
                         <a:t>; </a:t>
                       </a:r>
@@ -19559,8 +20184,6 @@
                             <a:srgbClr val="24292F"/>
                           </a:solidFill>
                           <a:effectLst/>
-                          <a:ea typeface="Times New Roman" panose="02020603050405020304" pitchFamily="18" charset="0"/>
-                          <a:cs typeface="Times New Roman" panose="02020603050405020304" pitchFamily="18" charset="0"/>
                         </a:rPr>
                         <a:t>High St &amp; Broad St</a:t>
                       </a:r>
@@ -19570,8 +20193,6 @@
                             <a:schemeClr val="dk1"/>
                           </a:solidFill>
                           <a:effectLst/>
-                          <a:ea typeface="Times New Roman" panose="02020603050405020304" pitchFamily="18" charset="0"/>
-                          <a:cs typeface="Times New Roman" panose="02020603050405020304" pitchFamily="18" charset="0"/>
                         </a:rPr>
                         <a:t>; </a:t>
                       </a:r>
@@ -19581,8 +20202,6 @@
                             <a:srgbClr val="24292F"/>
                           </a:solidFill>
                           <a:effectLst/>
-                          <a:ea typeface="Times New Roman" panose="02020603050405020304" pitchFamily="18" charset="0"/>
-                          <a:cs typeface="Times New Roman" panose="02020603050405020304" pitchFamily="18" charset="0"/>
                         </a:rPr>
                         <a:t>Scioto</a:t>
                       </a:r>
@@ -19592,8 +20211,6 @@
                             <a:srgbClr val="24292F"/>
                           </a:solidFill>
                           <a:effectLst/>
-                          <a:ea typeface="Times New Roman" panose="02020603050405020304" pitchFamily="18" charset="0"/>
-                          <a:cs typeface="Times New Roman" panose="02020603050405020304" pitchFamily="18" charset="0"/>
                         </a:rPr>
                         <a:t> Audubon </a:t>
                       </a:r>
@@ -19603,8 +20220,6 @@
                             <a:srgbClr val="24292F"/>
                           </a:solidFill>
                           <a:effectLst/>
-                          <a:ea typeface="Times New Roman" panose="02020603050405020304" pitchFamily="18" charset="0"/>
-                          <a:cs typeface="Times New Roman" panose="02020603050405020304" pitchFamily="18" charset="0"/>
                         </a:rPr>
                         <a:t>Center</a:t>
                       </a:r>
@@ -19614,8 +20229,6 @@
                             <a:schemeClr val="dk1"/>
                           </a:solidFill>
                           <a:effectLst/>
-                          <a:ea typeface="Times New Roman" panose="02020603050405020304" pitchFamily="18" charset="0"/>
-                          <a:cs typeface="Times New Roman" panose="02020603050405020304" pitchFamily="18" charset="0"/>
                         </a:rPr>
                         <a:t>; </a:t>
                       </a:r>
@@ -19625,8 +20238,6 @@
                             <a:srgbClr val="24292F"/>
                           </a:solidFill>
                           <a:effectLst/>
-                          <a:ea typeface="Times New Roman" panose="02020603050405020304" pitchFamily="18" charset="0"/>
-                          <a:cs typeface="Times New Roman" panose="02020603050405020304" pitchFamily="18" charset="0"/>
                         </a:rPr>
                         <a:t>High St &amp; Warren</a:t>
                       </a:r>
@@ -19652,9 +20263,6 @@
                           <a:solidFill>
                             <a:schemeClr val="dk1"/>
                           </a:solidFill>
-                          <a:latin typeface="+mn-lt"/>
-                          <a:ea typeface="+mn-ea"/>
-                          <a:cs typeface="+mn-cs"/>
                         </a:rPr>
                         <a:t>invest more in these stations and can increase the number of bikes. Also, the company </a:t>
                       </a:r>
@@ -19709,22 +20317,20 @@
                         <a:defRPr/>
                       </a:pPr>
                       <a:r>
-                        <a:rPr lang="en-IN" sz="1100" b="1" i="0" dirty="0">
+                        <a:rPr lang="en-IN" sz="1100" b="1" dirty="0">
                           <a:solidFill>
                             <a:srgbClr val="333333"/>
                           </a:solidFill>
                           <a:effectLst/>
-                          <a:latin typeface="Helvetica Neue"/>
                         </a:rPr>
                         <a:t>Casual customers </a:t>
                       </a:r>
                       <a:r>
-                        <a:rPr lang="en-IN" sz="1100" b="0" i="0" dirty="0">
+                        <a:rPr lang="en-IN" sz="1100" b="0" dirty="0">
                           <a:solidFill>
                             <a:srgbClr val="333333"/>
                           </a:solidFill>
                           <a:effectLst/>
-                          <a:latin typeface="Helvetica Neue"/>
                         </a:rPr>
                         <a:t>u</a:t>
                       </a:r>
@@ -19733,7 +20339,6 @@
                           <a:solidFill>
                             <a:srgbClr val="333333"/>
                           </a:solidFill>
-                          <a:latin typeface="Helvetica Neue"/>
                         </a:rPr>
                         <a:t>sing bikes over </a:t>
                       </a:r>
@@ -19742,7 +20347,6 @@
                           <a:solidFill>
                             <a:srgbClr val="333333"/>
                           </a:solidFill>
-                          <a:latin typeface="Helvetica Neue"/>
                         </a:rPr>
                         <a:t>30 mins – 29%</a:t>
                       </a:r>
@@ -19766,32 +20370,29 @@
                         <a:defRPr/>
                       </a:pPr>
                       <a:r>
-                        <a:rPr lang="en-IN" sz="1100" b="1" i="0" dirty="0">
+                        <a:rPr lang="en-IN" sz="1100" b="1" dirty="0">
                           <a:solidFill>
                             <a:srgbClr val="333333"/>
                           </a:solidFill>
                           <a:effectLst/>
-                          <a:latin typeface="Helvetica Neue"/>
                         </a:rPr>
                         <a:t>Casual customers </a:t>
                       </a:r>
                       <a:r>
-                        <a:rPr lang="en-IN" sz="1100" b="0" i="0" dirty="0">
+                        <a:rPr lang="en-IN" sz="1100" b="0" dirty="0">
                           <a:solidFill>
                             <a:srgbClr val="333333"/>
                           </a:solidFill>
                           <a:effectLst/>
-                          <a:latin typeface="Helvetica Neue"/>
                         </a:rPr>
                         <a:t>CI at </a:t>
                       </a:r>
                       <a:r>
-                        <a:rPr lang="en-IN" sz="1100" b="1" i="0" dirty="0">
+                        <a:rPr lang="en-IN" sz="1100" b="1" dirty="0">
                           <a:solidFill>
                             <a:srgbClr val="333333"/>
                           </a:solidFill>
                           <a:effectLst/>
-                          <a:latin typeface="Helvetica Neue"/>
                         </a:rPr>
                         <a:t>95%:</a:t>
                       </a:r>
@@ -19800,7 +20401,6 @@
                           <a:solidFill>
                             <a:srgbClr val="333333"/>
                           </a:solidFill>
-                          <a:latin typeface="Helvetica Neue"/>
                         </a:rPr>
                         <a:t> 21.21 - 22.2</a:t>
                       </a:r>
@@ -19847,9 +20447,6 @@
                           <a:solidFill>
                             <a:schemeClr val="dk1"/>
                           </a:solidFill>
-                          <a:latin typeface="+mn-lt"/>
-                          <a:ea typeface="+mn-ea"/>
-                          <a:cs typeface="+mn-cs"/>
                         </a:rPr>
                         <a:t>The company can increase their profit margin by slightly increasing the boundary price for casual customers because casual customers may be more accepting of the price increment </a:t>
                       </a:r>
@@ -19864,12 +20461,17 @@
                           <a:solidFill>
                             <a:schemeClr val="dk1"/>
                           </a:solidFill>
-                          <a:latin typeface="+mn-lt"/>
-                          <a:ea typeface="+mn-ea"/>
-                          <a:cs typeface="+mn-cs"/>
                         </a:rPr>
                         <a:t>Company can even reduce the boundary time to 20 mins to increase the profit</a:t>
                       </a:r>
+                      <a:endParaRPr lang="en-IN" sz="1100" kern="1200" dirty="0">
+                        <a:solidFill>
+                          <a:schemeClr val="dk1"/>
+                        </a:solidFill>
+                        <a:latin typeface="+mn-lt"/>
+                        <a:ea typeface="+mn-ea"/>
+                        <a:cs typeface="+mn-cs"/>
+                      </a:endParaRPr>
                     </a:p>
                   </a:txBody>
                   <a:tcPr/>
@@ -19917,22 +20519,20 @@
                         <a:defRPr/>
                       </a:pPr>
                       <a:r>
-                        <a:rPr lang="en-IN" sz="1100" b="1" i="0" dirty="0">
+                        <a:rPr lang="en-IN" sz="1100" b="1" dirty="0">
                           <a:solidFill>
                             <a:srgbClr val="333333"/>
                           </a:solidFill>
                           <a:effectLst/>
-                          <a:latin typeface="Helvetica Neue"/>
                         </a:rPr>
                         <a:t>Classic bikes </a:t>
                       </a:r>
                       <a:r>
-                        <a:rPr lang="en-IN" sz="1100" b="0" i="0" dirty="0">
+                        <a:rPr lang="en-IN" sz="1100" b="0" dirty="0">
                           <a:solidFill>
                             <a:srgbClr val="333333"/>
                           </a:solidFill>
                           <a:effectLst/>
-                          <a:latin typeface="Helvetica Neue"/>
                         </a:rPr>
                         <a:t>used over</a:t>
                       </a:r>
@@ -19941,7 +20541,6 @@
                           <a:solidFill>
                             <a:srgbClr val="333333"/>
                           </a:solidFill>
-                          <a:latin typeface="Helvetica Neue"/>
                         </a:rPr>
                         <a:t> </a:t>
                       </a:r>
@@ -19950,7 +20549,6 @@
                           <a:solidFill>
                             <a:srgbClr val="333333"/>
                           </a:solidFill>
-                          <a:latin typeface="Helvetica Neue"/>
                         </a:rPr>
                         <a:t>30 mins – 16%</a:t>
                       </a:r>
@@ -19974,22 +20572,20 @@
                         <a:defRPr/>
                       </a:pPr>
                       <a:r>
-                        <a:rPr lang="en-IN" sz="1100" b="1" i="0" dirty="0">
+                        <a:rPr lang="en-IN" sz="1100" b="1" dirty="0">
                           <a:solidFill>
                             <a:srgbClr val="333333"/>
                           </a:solidFill>
                           <a:effectLst/>
-                          <a:latin typeface="Helvetica Neue"/>
                         </a:rPr>
                         <a:t>Classic bike CI </a:t>
                       </a:r>
                       <a:r>
-                        <a:rPr lang="en-IN" sz="1100" b="0" i="0" dirty="0">
+                        <a:rPr lang="en-IN" sz="1100" b="0" dirty="0">
                           <a:solidFill>
                             <a:srgbClr val="333333"/>
                           </a:solidFill>
                           <a:effectLst/>
-                          <a:latin typeface="Helvetica Neue"/>
                         </a:rPr>
                         <a:t>at 95%:</a:t>
                       </a:r>
@@ -19998,7 +20594,6 @@
                           <a:solidFill>
                             <a:srgbClr val="333333"/>
                           </a:solidFill>
-                          <a:latin typeface="Helvetica Neue"/>
                         </a:rPr>
                         <a:t> </a:t>
                       </a:r>
@@ -20007,7 +20602,6 @@
                           <a:solidFill>
                             <a:srgbClr val="333333"/>
                           </a:solidFill>
-                          <a:latin typeface="Helvetica Neue"/>
                         </a:rPr>
                         <a:t>17.13 - 18.03</a:t>
                       </a:r>
@@ -20035,7 +20629,6 @@
                           <a:solidFill>
                             <a:srgbClr val="333333"/>
                           </a:solidFill>
-                          <a:latin typeface="Helvetica Neue"/>
                         </a:rPr>
                         <a:t>Electric bike CI </a:t>
                       </a:r>
@@ -20044,7 +20637,6 @@
                           <a:solidFill>
                             <a:srgbClr val="333333"/>
                           </a:solidFill>
-                          <a:latin typeface="Helvetica Neue"/>
                         </a:rPr>
                         <a:t>at 95%: </a:t>
                       </a:r>
@@ -20053,7 +20645,6 @@
                           <a:solidFill>
                             <a:srgbClr val="333333"/>
                           </a:solidFill>
-                          <a:latin typeface="Helvetica Neue"/>
                         </a:rPr>
                         <a:t>12.81 – 13.46</a:t>
                       </a:r>
@@ -20077,22 +20668,20 @@
                         <a:defRPr/>
                       </a:pPr>
                       <a:r>
-                        <a:rPr lang="en-IN" sz="1100" b="1" i="0" dirty="0">
+                        <a:rPr lang="en-IN" sz="1100" b="1" dirty="0">
                           <a:solidFill>
                             <a:srgbClr val="333333"/>
                           </a:solidFill>
                           <a:effectLst/>
-                          <a:latin typeface="Helvetica Neue"/>
                         </a:rPr>
                         <a:t>Electric bikes </a:t>
                       </a:r>
                       <a:r>
-                        <a:rPr lang="en-IN" sz="1100" b="0" i="0" dirty="0">
+                        <a:rPr lang="en-IN" sz="1100" b="0" dirty="0">
                           <a:solidFill>
                             <a:srgbClr val="333333"/>
                           </a:solidFill>
                           <a:effectLst/>
-                          <a:latin typeface="Helvetica Neue"/>
                         </a:rPr>
                         <a:t>used over</a:t>
                       </a:r>
@@ -20101,7 +20690,6 @@
                           <a:solidFill>
                             <a:srgbClr val="333333"/>
                           </a:solidFill>
-                          <a:latin typeface="Helvetica Neue"/>
                         </a:rPr>
                         <a:t> </a:t>
                       </a:r>
@@ -20110,10 +20698,15 @@
                           <a:solidFill>
                             <a:srgbClr val="333333"/>
                           </a:solidFill>
-                          <a:latin typeface="Helvetica Neue"/>
                         </a:rPr>
                         <a:t>30 mins – 4%</a:t>
                       </a:r>
+                      <a:endParaRPr lang="en-IN" sz="1100" b="1" dirty="0">
+                        <a:solidFill>
+                          <a:srgbClr val="333333"/>
+                        </a:solidFill>
+                        <a:latin typeface="Helvetica Neue"/>
+                      </a:endParaRPr>
                     </a:p>
                   </a:txBody>
                   <a:tcPr/>
@@ -20132,9 +20725,6 @@
                           <a:solidFill>
                             <a:schemeClr val="dk1"/>
                           </a:solidFill>
-                          <a:latin typeface="+mn-lt"/>
-                          <a:ea typeface="+mn-ea"/>
-                          <a:cs typeface="+mn-cs"/>
                         </a:rPr>
                         <a:t>Classic bike price can be increased for over 30 mins by a slight margin</a:t>
                       </a:r>
@@ -20149,12 +20739,17 @@
                           <a:solidFill>
                             <a:schemeClr val="dk1"/>
                           </a:solidFill>
-                          <a:latin typeface="+mn-lt"/>
-                          <a:ea typeface="+mn-ea"/>
-                          <a:cs typeface="+mn-cs"/>
                         </a:rPr>
                         <a:t>Even though electric bikes are used most people don’t use them for over 30 mins. So Electric bike inventory can be increased but their price margin over 30 mins can be reduced</a:t>
                       </a:r>
+                      <a:endParaRPr lang="en-IN" sz="1100" kern="1200" dirty="0">
+                        <a:solidFill>
+                          <a:schemeClr val="dk1"/>
+                        </a:solidFill>
+                        <a:latin typeface="+mn-lt"/>
+                        <a:ea typeface="+mn-ea"/>
+                        <a:cs typeface="+mn-cs"/>
+                      </a:endParaRPr>
                     </a:p>
                   </a:txBody>
                   <a:tcPr/>
@@ -20204,10 +20799,2149 @@
           </a:p>
         </p:txBody>
       </p:sp>
+      <p:pic>
+        <p:nvPicPr>
+          <p:cNvPr id="1030" name="Picture 6">
+            <a:extLst>
+              <a:ext uri="{FF2B5EF4-FFF2-40B4-BE49-F238E27FC236}">
+                <a16:creationId xmlns:a16="http://schemas.microsoft.com/office/drawing/2014/main" id="{6072BB45-FB83-61EA-A43B-DA0F2FE8199B}"/>
+              </a:ext>
+            </a:extLst>
+          </p:cNvPr>
+          <p:cNvPicPr>
+            <a:picLocks noChangeAspect="1" noChangeArrowheads="1"/>
+          </p:cNvPicPr>
+          <p:nvPr/>
+        </p:nvPicPr>
+        <p:blipFill>
+          <a:blip r:embed="rId2">
+            <a:extLst>
+              <a:ext uri="{28A0092B-C50C-407E-A947-70E740481C1C}">
+                <a14:useLocalDpi xmlns:a14="http://schemas.microsoft.com/office/drawing/2010/main" val="0"/>
+              </a:ext>
+            </a:extLst>
+          </a:blip>
+          <a:srcRect/>
+          <a:stretch>
+            <a:fillRect/>
+          </a:stretch>
+        </p:blipFill>
+        <p:spPr bwMode="auto">
+          <a:xfrm>
+            <a:off x="10978092" y="58069"/>
+            <a:ext cx="1075268" cy="818996"/>
+          </a:xfrm>
+          <a:prstGeom prst="rect">
+            <a:avLst/>
+          </a:prstGeom>
+          <a:noFill/>
+          <a:extLst>
+            <a:ext uri="{909E8E84-426E-40DD-AFC4-6F175D3DCCD1}">
+              <a14:hiddenFill xmlns:a14="http://schemas.microsoft.com/office/drawing/2010/main">
+                <a:solidFill>
+                  <a:srgbClr val="FFFFFF"/>
+                </a:solidFill>
+              </a14:hiddenFill>
+            </a:ext>
+          </a:extLst>
+        </p:spPr>
+      </p:pic>
     </p:spTree>
     <p:extLst>
       <p:ext uri="{BB962C8B-B14F-4D97-AF65-F5344CB8AC3E}">
         <p14:creationId xmlns:p14="http://schemas.microsoft.com/office/powerpoint/2010/main" val="819725541"/>
+      </p:ext>
+    </p:extLst>
+  </p:cSld>
+  <p:clrMapOvr>
+    <a:masterClrMapping/>
+  </p:clrMapOvr>
+</p:sld>
+</file>
+
+<file path=ppt/slides/slide24.xml><?xml version="1.0" encoding="utf-8"?>
+<p:sld xmlns:a="http://schemas.openxmlformats.org/drawingml/2006/main" xmlns:r="http://schemas.openxmlformats.org/officeDocument/2006/relationships" xmlns:p="http://schemas.openxmlformats.org/presentationml/2006/main">
+  <p:cSld>
+    <p:spTree>
+      <p:nvGrpSpPr>
+        <p:cNvPr id="1" name=""/>
+        <p:cNvGrpSpPr/>
+        <p:nvPr/>
+      </p:nvGrpSpPr>
+      <p:grpSpPr>
+        <a:xfrm>
+          <a:off x="0" y="0"/>
+          <a:ext cx="0" cy="0"/>
+          <a:chOff x="0" y="0"/>
+          <a:chExt cx="0" cy="0"/>
+        </a:xfrm>
+      </p:grpSpPr>
+      <p:sp>
+        <p:nvSpPr>
+          <p:cNvPr id="40" name="Rectangle 39">
+            <a:extLst>
+              <a:ext uri="{FF2B5EF4-FFF2-40B4-BE49-F238E27FC236}">
+                <a16:creationId xmlns:a16="http://schemas.microsoft.com/office/drawing/2014/main" id="{0E43F24C-8576-4962-E4FF-5C364A2CBC0C}"/>
+              </a:ext>
+            </a:extLst>
+          </p:cNvPr>
+          <p:cNvSpPr/>
+          <p:nvPr/>
+        </p:nvSpPr>
+        <p:spPr>
+          <a:xfrm>
+            <a:off x="0" y="-83469"/>
+            <a:ext cx="12192000" cy="1192601"/>
+          </a:xfrm>
+          <a:prstGeom prst="rect">
+            <a:avLst/>
+          </a:prstGeom>
+          <a:solidFill>
+            <a:schemeClr val="tx2">
+              <a:lumMod val="50000"/>
+            </a:schemeClr>
+          </a:solidFill>
+        </p:spPr>
+        <p:style>
+          <a:lnRef idx="2">
+            <a:schemeClr val="dk1">
+              <a:shade val="50000"/>
+            </a:schemeClr>
+          </a:lnRef>
+          <a:fillRef idx="1">
+            <a:schemeClr val="dk1"/>
+          </a:fillRef>
+          <a:effectRef idx="0">
+            <a:schemeClr val="dk1"/>
+          </a:effectRef>
+          <a:fontRef idx="minor">
+            <a:schemeClr val="lt1"/>
+          </a:fontRef>
+        </p:style>
+        <p:txBody>
+          <a:bodyPr rtlCol="0" anchor="ctr"/>
+          <a:lstStyle/>
+          <a:p>
+            <a:pPr algn="ctr"/>
+            <a:endParaRPr lang="en-IN"/>
+          </a:p>
+        </p:txBody>
+      </p:sp>
+      <p:grpSp>
+        <p:nvGrpSpPr>
+          <p:cNvPr id="21" name="Group 20">
+            <a:extLst>
+              <a:ext uri="{FF2B5EF4-FFF2-40B4-BE49-F238E27FC236}">
+                <a16:creationId xmlns:a16="http://schemas.microsoft.com/office/drawing/2014/main" id="{91B86CAC-4447-0729-476D-406FB231A4DB}"/>
+              </a:ext>
+            </a:extLst>
+          </p:cNvPr>
+          <p:cNvGrpSpPr/>
+          <p:nvPr/>
+        </p:nvGrpSpPr>
+        <p:grpSpPr>
+          <a:xfrm>
+            <a:off x="2009775" y="737314"/>
+            <a:ext cx="7343775" cy="277198"/>
+            <a:chOff x="495300" y="2900260"/>
+            <a:chExt cx="12192000" cy="660305"/>
+          </a:xfrm>
+        </p:grpSpPr>
+        <p:sp>
+          <p:nvSpPr>
+            <p:cNvPr id="22" name="Rectangle 21">
+              <a:extLst>
+                <a:ext uri="{FF2B5EF4-FFF2-40B4-BE49-F238E27FC236}">
+                  <a16:creationId xmlns:a16="http://schemas.microsoft.com/office/drawing/2014/main" id="{9741E38B-0729-E97D-04E7-D7D2975AAB5F}"/>
+                </a:ext>
+              </a:extLst>
+            </p:cNvPr>
+            <p:cNvSpPr/>
+            <p:nvPr/>
+          </p:nvSpPr>
+          <p:spPr>
+            <a:xfrm>
+              <a:off x="495300" y="2900260"/>
+              <a:ext cx="12192000" cy="242515"/>
+            </a:xfrm>
+            <a:prstGeom prst="rect">
+              <a:avLst/>
+            </a:prstGeom>
+            <a:solidFill>
+              <a:srgbClr val="22577A"/>
+            </a:solidFill>
+            <a:ln>
+              <a:solidFill>
+                <a:srgbClr val="22577A"/>
+              </a:solidFill>
+            </a:ln>
+          </p:spPr>
+          <p:style>
+            <a:lnRef idx="2">
+              <a:schemeClr val="dk1">
+                <a:shade val="50000"/>
+              </a:schemeClr>
+            </a:lnRef>
+            <a:fillRef idx="1">
+              <a:schemeClr val="dk1"/>
+            </a:fillRef>
+            <a:effectRef idx="0">
+              <a:schemeClr val="dk1"/>
+            </a:effectRef>
+            <a:fontRef idx="minor">
+              <a:schemeClr val="lt1"/>
+            </a:fontRef>
+          </p:style>
+          <p:txBody>
+            <a:bodyPr rtlCol="0" anchor="ctr"/>
+            <a:lstStyle/>
+            <a:p>
+              <a:pPr algn="ctr"/>
+              <a:endParaRPr lang="en-IN" dirty="0"/>
+            </a:p>
+          </p:txBody>
+        </p:sp>
+        <p:sp>
+          <p:nvSpPr>
+            <p:cNvPr id="23" name="Rectangle 22">
+              <a:extLst>
+                <a:ext uri="{FF2B5EF4-FFF2-40B4-BE49-F238E27FC236}">
+                  <a16:creationId xmlns:a16="http://schemas.microsoft.com/office/drawing/2014/main" id="{3F50B2EE-F3DF-C447-23B4-CE77276A0376}"/>
+                </a:ext>
+              </a:extLst>
+            </p:cNvPr>
+            <p:cNvSpPr/>
+            <p:nvPr/>
+          </p:nvSpPr>
+          <p:spPr>
+            <a:xfrm>
+              <a:off x="495300" y="3125985"/>
+              <a:ext cx="12192000" cy="217290"/>
+            </a:xfrm>
+            <a:prstGeom prst="rect">
+              <a:avLst/>
+            </a:prstGeom>
+            <a:solidFill>
+              <a:srgbClr val="38A3A5"/>
+            </a:solidFill>
+            <a:ln>
+              <a:solidFill>
+                <a:srgbClr val="38A3A5"/>
+              </a:solidFill>
+            </a:ln>
+          </p:spPr>
+          <p:style>
+            <a:lnRef idx="2">
+              <a:schemeClr val="dk1">
+                <a:shade val="50000"/>
+              </a:schemeClr>
+            </a:lnRef>
+            <a:fillRef idx="1">
+              <a:schemeClr val="dk1"/>
+            </a:fillRef>
+            <a:effectRef idx="0">
+              <a:schemeClr val="dk1"/>
+            </a:effectRef>
+            <a:fontRef idx="minor">
+              <a:schemeClr val="lt1"/>
+            </a:fontRef>
+          </p:style>
+          <p:txBody>
+            <a:bodyPr rtlCol="0" anchor="ctr"/>
+            <a:lstStyle/>
+            <a:p>
+              <a:pPr algn="ctr"/>
+              <a:endParaRPr lang="en-IN" dirty="0"/>
+            </a:p>
+          </p:txBody>
+        </p:sp>
+        <p:sp>
+          <p:nvSpPr>
+            <p:cNvPr id="24" name="Rectangle 23">
+              <a:extLst>
+                <a:ext uri="{FF2B5EF4-FFF2-40B4-BE49-F238E27FC236}">
+                  <a16:creationId xmlns:a16="http://schemas.microsoft.com/office/drawing/2014/main" id="{54DE30AC-04C7-C299-AF42-C6BF66F2495E}"/>
+                </a:ext>
+              </a:extLst>
+            </p:cNvPr>
+            <p:cNvSpPr/>
+            <p:nvPr/>
+          </p:nvSpPr>
+          <p:spPr>
+            <a:xfrm>
+              <a:off x="495300" y="3343274"/>
+              <a:ext cx="12192000" cy="217291"/>
+            </a:xfrm>
+            <a:prstGeom prst="rect">
+              <a:avLst/>
+            </a:prstGeom>
+            <a:solidFill>
+              <a:srgbClr val="57CC99"/>
+            </a:solidFill>
+            <a:ln>
+              <a:solidFill>
+                <a:srgbClr val="57CC99"/>
+              </a:solidFill>
+            </a:ln>
+          </p:spPr>
+          <p:style>
+            <a:lnRef idx="2">
+              <a:schemeClr val="dk1">
+                <a:shade val="50000"/>
+              </a:schemeClr>
+            </a:lnRef>
+            <a:fillRef idx="1">
+              <a:schemeClr val="dk1"/>
+            </a:fillRef>
+            <a:effectRef idx="0">
+              <a:schemeClr val="dk1"/>
+            </a:effectRef>
+            <a:fontRef idx="minor">
+              <a:schemeClr val="lt1"/>
+            </a:fontRef>
+          </p:style>
+          <p:txBody>
+            <a:bodyPr rtlCol="0" anchor="ctr"/>
+            <a:lstStyle/>
+            <a:p>
+              <a:pPr algn="ctr"/>
+              <a:endParaRPr lang="en-IN" dirty="0"/>
+            </a:p>
+          </p:txBody>
+        </p:sp>
+      </p:grpSp>
+      <p:sp>
+        <p:nvSpPr>
+          <p:cNvPr id="25" name="TextBox 24">
+            <a:extLst>
+              <a:ext uri="{FF2B5EF4-FFF2-40B4-BE49-F238E27FC236}">
+                <a16:creationId xmlns:a16="http://schemas.microsoft.com/office/drawing/2014/main" id="{6D8C97DD-9D18-F81E-6B14-52E79B3EC11E}"/>
+              </a:ext>
+            </a:extLst>
+          </p:cNvPr>
+          <p:cNvSpPr txBox="1"/>
+          <p:nvPr/>
+        </p:nvSpPr>
+        <p:spPr>
+          <a:xfrm>
+            <a:off x="676274" y="0"/>
+            <a:ext cx="10153650" cy="707886"/>
+          </a:xfrm>
+          <a:prstGeom prst="rect">
+            <a:avLst/>
+          </a:prstGeom>
+          <a:noFill/>
+        </p:spPr>
+        <p:txBody>
+          <a:bodyPr wrap="square" rtlCol="0">
+            <a:spAutoFit/>
+          </a:bodyPr>
+          <a:lstStyle/>
+          <a:p>
+            <a:pPr algn="ctr"/>
+            <a:r>
+              <a:rPr lang="en-IN" sz="4000" dirty="0">
+                <a:solidFill>
+                  <a:schemeClr val="bg1"/>
+                </a:solidFill>
+              </a:rPr>
+              <a:t>Conclusion and Recommendation</a:t>
+            </a:r>
+          </a:p>
+        </p:txBody>
+      </p:sp>
+      <p:cxnSp>
+        <p:nvCxnSpPr>
+          <p:cNvPr id="42" name="Straight Connector 41">
+            <a:extLst>
+              <a:ext uri="{FF2B5EF4-FFF2-40B4-BE49-F238E27FC236}">
+                <a16:creationId xmlns:a16="http://schemas.microsoft.com/office/drawing/2014/main" id="{C24B6F09-ECE7-CA93-7B32-2F47D2D9BDDC}"/>
+              </a:ext>
+            </a:extLst>
+          </p:cNvPr>
+          <p:cNvCxnSpPr>
+            <a:cxnSpLocks/>
+          </p:cNvCxnSpPr>
+          <p:nvPr/>
+        </p:nvCxnSpPr>
+        <p:spPr>
+          <a:xfrm flipH="1">
+            <a:off x="257175" y="6448427"/>
+            <a:ext cx="11582400" cy="0"/>
+          </a:xfrm>
+          <a:prstGeom prst="line">
+            <a:avLst/>
+          </a:prstGeom>
+        </p:spPr>
+        <p:style>
+          <a:lnRef idx="1">
+            <a:schemeClr val="dk1"/>
+          </a:lnRef>
+          <a:fillRef idx="0">
+            <a:schemeClr val="dk1"/>
+          </a:fillRef>
+          <a:effectRef idx="0">
+            <a:schemeClr val="dk1"/>
+          </a:effectRef>
+          <a:fontRef idx="minor">
+            <a:schemeClr val="tx1"/>
+          </a:fontRef>
+        </p:style>
+      </p:cxnSp>
+      <p:sp>
+        <p:nvSpPr>
+          <p:cNvPr id="45" name="TextBox 44">
+            <a:extLst>
+              <a:ext uri="{FF2B5EF4-FFF2-40B4-BE49-F238E27FC236}">
+                <a16:creationId xmlns:a16="http://schemas.microsoft.com/office/drawing/2014/main" id="{F01D5EAD-EA3F-8012-1BF2-281C526C2998}"/>
+              </a:ext>
+            </a:extLst>
+          </p:cNvPr>
+          <p:cNvSpPr txBox="1"/>
+          <p:nvPr/>
+        </p:nvSpPr>
+        <p:spPr>
+          <a:xfrm>
+            <a:off x="10829924" y="6448427"/>
+            <a:ext cx="1009651" cy="307777"/>
+          </a:xfrm>
+          <a:prstGeom prst="rect">
+            <a:avLst/>
+          </a:prstGeom>
+          <a:noFill/>
+        </p:spPr>
+        <p:txBody>
+          <a:bodyPr wrap="square" rtlCol="0">
+            <a:spAutoFit/>
+          </a:bodyPr>
+          <a:lstStyle/>
+          <a:p>
+            <a:pPr algn="r"/>
+            <a:r>
+              <a:rPr lang="en-IN" sz="1400" dirty="0"/>
+              <a:t>Team-03 </a:t>
+            </a:r>
+          </a:p>
+        </p:txBody>
+      </p:sp>
+      <p:sp>
+        <p:nvSpPr>
+          <p:cNvPr id="47" name="TextBox 46">
+            <a:extLst>
+              <a:ext uri="{FF2B5EF4-FFF2-40B4-BE49-F238E27FC236}">
+                <a16:creationId xmlns:a16="http://schemas.microsoft.com/office/drawing/2014/main" id="{83588F0F-B76C-7BBE-5F10-A76C008CF4EE}"/>
+              </a:ext>
+            </a:extLst>
+          </p:cNvPr>
+          <p:cNvSpPr txBox="1"/>
+          <p:nvPr/>
+        </p:nvSpPr>
+        <p:spPr>
+          <a:xfrm>
+            <a:off x="114299" y="6448427"/>
+            <a:ext cx="4491037" cy="307777"/>
+          </a:xfrm>
+          <a:prstGeom prst="rect">
+            <a:avLst/>
+          </a:prstGeom>
+          <a:noFill/>
+        </p:spPr>
+        <p:txBody>
+          <a:bodyPr wrap="square" rtlCol="0">
+            <a:spAutoFit/>
+          </a:bodyPr>
+          <a:lstStyle/>
+          <a:p>
+            <a:pPr algn="r"/>
+            <a:r>
+              <a:rPr lang="en-IN" sz="1400" dirty="0"/>
+              <a:t>Bike Sharing Data (COGO bike) -Exploratory Data Analysis </a:t>
+            </a:r>
+          </a:p>
+        </p:txBody>
+      </p:sp>
+      <p:graphicFrame>
+        <p:nvGraphicFramePr>
+          <p:cNvPr id="3" name="Table 3">
+            <a:extLst>
+              <a:ext uri="{FF2B5EF4-FFF2-40B4-BE49-F238E27FC236}">
+                <a16:creationId xmlns:a16="http://schemas.microsoft.com/office/drawing/2014/main" id="{4C9F42A0-A995-12E1-1562-9DDC2A046C66}"/>
+              </a:ext>
+            </a:extLst>
+          </p:cNvPr>
+          <p:cNvGraphicFramePr>
+            <a:graphicFrameLocks noGrp="1"/>
+          </p:cNvGraphicFramePr>
+          <p:nvPr/>
+        </p:nvGraphicFramePr>
+        <p:xfrm>
+          <a:off x="114299" y="1203891"/>
+          <a:ext cx="11916834" cy="5008949"/>
+        </p:xfrm>
+        <a:graphic>
+          <a:graphicData uri="http://schemas.openxmlformats.org/drawingml/2006/table">
+            <a:tbl>
+              <a:tblPr firstRow="1" bandRow="1">
+                <a:tableStyleId>{073A0DAA-6AF3-43AB-8588-CEC1D06C72B9}</a:tableStyleId>
+              </a:tblPr>
+              <a:tblGrid>
+                <a:gridCol w="647701">
+                  <a:extLst>
+                    <a:ext uri="{9D8B030D-6E8A-4147-A177-3AD203B41FA5}">
+                      <a16:colId xmlns:a16="http://schemas.microsoft.com/office/drawing/2014/main" val="401432214"/>
+                    </a:ext>
+                  </a:extLst>
+                </a:gridCol>
+                <a:gridCol w="5308600">
+                  <a:extLst>
+                    <a:ext uri="{9D8B030D-6E8A-4147-A177-3AD203B41FA5}">
+                      <a16:colId xmlns:a16="http://schemas.microsoft.com/office/drawing/2014/main" val="639839333"/>
+                    </a:ext>
+                  </a:extLst>
+                </a:gridCol>
+                <a:gridCol w="5960533">
+                  <a:extLst>
+                    <a:ext uri="{9D8B030D-6E8A-4147-A177-3AD203B41FA5}">
+                      <a16:colId xmlns:a16="http://schemas.microsoft.com/office/drawing/2014/main" val="1224301073"/>
+                    </a:ext>
+                  </a:extLst>
+                </a:gridCol>
+              </a:tblGrid>
+              <a:tr h="591351">
+                <a:tc>
+                  <a:txBody>
+                    <a:bodyPr/>
+                    <a:lstStyle/>
+                    <a:p>
+                      <a:r>
+                        <a:rPr lang="en-IN" sz="2000" dirty="0" err="1"/>
+                        <a:t>Sno</a:t>
+                      </a:r>
+                      <a:r>
+                        <a:rPr lang="en-IN" sz="2000" dirty="0"/>
+                        <a:t>.</a:t>
+                      </a:r>
+                    </a:p>
+                  </a:txBody>
+                  <a:tcPr/>
+                </a:tc>
+                <a:tc>
+                  <a:txBody>
+                    <a:bodyPr/>
+                    <a:lstStyle/>
+                    <a:p>
+                      <a:r>
+                        <a:rPr lang="en-IN" sz="2800" dirty="0"/>
+                        <a:t>Conclusion</a:t>
+                      </a:r>
+                    </a:p>
+                  </a:txBody>
+                  <a:tcPr/>
+                </a:tc>
+                <a:tc>
+                  <a:txBody>
+                    <a:bodyPr/>
+                    <a:lstStyle/>
+                    <a:p>
+                      <a:r>
+                        <a:rPr lang="en-IN" sz="2800" dirty="0"/>
+                        <a:t>Recommendation</a:t>
+                      </a:r>
+                    </a:p>
+                  </a:txBody>
+                  <a:tcPr/>
+                </a:tc>
+                <a:extLst>
+                  <a:ext uri="{0D108BD9-81ED-4DB2-BD59-A6C34878D82A}">
+                    <a16:rowId xmlns:a16="http://schemas.microsoft.com/office/drawing/2014/main" val="3719968643"/>
+                  </a:ext>
+                </a:extLst>
+              </a:tr>
+              <a:tr h="211358">
+                <a:tc>
+                  <a:txBody>
+                    <a:bodyPr/>
+                    <a:lstStyle/>
+                    <a:p>
+                      <a:pPr marL="0" marR="0" lvl="0" indent="0" algn="l" defTabSz="914400" rtl="0" eaLnBrk="1" fontAlgn="auto" latinLnBrk="0" hangingPunct="1">
+                        <a:lnSpc>
+                          <a:spcPct val="100000"/>
+                        </a:lnSpc>
+                        <a:spcBef>
+                          <a:spcPts val="0"/>
+                        </a:spcBef>
+                        <a:spcAft>
+                          <a:spcPts val="0"/>
+                        </a:spcAft>
+                        <a:buClrTx/>
+                        <a:buSzTx/>
+                        <a:buFontTx/>
+                        <a:buNone/>
+                        <a:tabLst/>
+                        <a:defRPr/>
+                      </a:pPr>
+                      <a:r>
+                        <a:rPr lang="en-IN" sz="1100" b="1" dirty="0">
+                          <a:solidFill>
+                            <a:srgbClr val="24292F"/>
+                          </a:solidFill>
+                        </a:rPr>
+                        <a:t>1</a:t>
+                      </a:r>
+                      <a:endParaRPr lang="en-IN" sz="1100" b="1" dirty="0">
+                        <a:solidFill>
+                          <a:srgbClr val="24292F"/>
+                        </a:solidFill>
+                        <a:cs typeface="Times New Roman" panose="02020603050405020304" pitchFamily="18" charset="0"/>
+                      </a:endParaRPr>
+                    </a:p>
+                  </a:txBody>
+                  <a:tcPr/>
+                </a:tc>
+                <a:tc>
+                  <a:txBody>
+                    <a:bodyPr/>
+                    <a:lstStyle/>
+                    <a:p>
+                      <a:pPr marL="0" marR="0" lvl="0" indent="0" algn="l" defTabSz="914400" rtl="0" eaLnBrk="1" fontAlgn="auto" latinLnBrk="0" hangingPunct="1">
+                        <a:lnSpc>
+                          <a:spcPct val="100000"/>
+                        </a:lnSpc>
+                        <a:spcBef>
+                          <a:spcPts val="0"/>
+                        </a:spcBef>
+                        <a:spcAft>
+                          <a:spcPts val="0"/>
+                        </a:spcAft>
+                        <a:buClrTx/>
+                        <a:buSzTx/>
+                        <a:buFontTx/>
+                        <a:buNone/>
+                        <a:tabLst/>
+                        <a:defRPr/>
+                      </a:pPr>
+                      <a:r>
+                        <a:rPr lang="en-IN" sz="1100" dirty="0">
+                          <a:solidFill>
+                            <a:srgbClr val="24292F"/>
+                          </a:solidFill>
+                        </a:rPr>
+                        <a:t>Casual users- </a:t>
+                      </a:r>
+                      <a:r>
+                        <a:rPr lang="en-IN" sz="1100" b="1" dirty="0">
+                          <a:solidFill>
+                            <a:srgbClr val="24292F"/>
+                          </a:solidFill>
+                        </a:rPr>
+                        <a:t>4,069</a:t>
+                      </a:r>
+                      <a:r>
+                        <a:rPr lang="en-IN" sz="1100" dirty="0">
+                          <a:solidFill>
+                            <a:srgbClr val="24292F"/>
+                          </a:solidFill>
+                        </a:rPr>
+                        <a:t>; Annual members- </a:t>
+                      </a:r>
+                      <a:r>
+                        <a:rPr lang="en-IN" sz="1100" b="1" dirty="0">
+                          <a:solidFill>
+                            <a:srgbClr val="24292F"/>
+                          </a:solidFill>
+                        </a:rPr>
+                        <a:t>3,347</a:t>
+                      </a:r>
+                      <a:r>
+                        <a:rPr lang="en-IN" sz="1100" dirty="0">
+                          <a:solidFill>
+                            <a:srgbClr val="24292F"/>
+                          </a:solidFill>
+                        </a:rPr>
+                        <a:t>; Difference is </a:t>
+                      </a:r>
+                      <a:r>
+                        <a:rPr lang="en-IN" sz="1100" b="1" dirty="0">
+                          <a:solidFill>
+                            <a:srgbClr val="24292F"/>
+                          </a:solidFill>
+                        </a:rPr>
+                        <a:t>722</a:t>
+                      </a:r>
+                      <a:endParaRPr lang="en-IN" sz="1100" b="1" dirty="0">
+                        <a:solidFill>
+                          <a:srgbClr val="24292F"/>
+                        </a:solidFill>
+                        <a:cs typeface="Times New Roman" panose="02020603050405020304" pitchFamily="18" charset="0"/>
+                      </a:endParaRPr>
+                    </a:p>
+                  </a:txBody>
+                  <a:tcPr/>
+                </a:tc>
+                <a:tc>
+                  <a:txBody>
+                    <a:bodyPr/>
+                    <a:lstStyle/>
+                    <a:p>
+                      <a:r>
+                        <a:rPr lang="en-IN" sz="1100" dirty="0"/>
+                        <a:t>Company should focus more on casual users</a:t>
+                      </a:r>
+                    </a:p>
+                  </a:txBody>
+                  <a:tcPr/>
+                </a:tc>
+                <a:extLst>
+                  <a:ext uri="{0D108BD9-81ED-4DB2-BD59-A6C34878D82A}">
+                    <a16:rowId xmlns:a16="http://schemas.microsoft.com/office/drawing/2014/main" val="2576154614"/>
+                  </a:ext>
+                </a:extLst>
+              </a:tr>
+              <a:tr h="240145">
+                <a:tc>
+                  <a:txBody>
+                    <a:bodyPr/>
+                    <a:lstStyle/>
+                    <a:p>
+                      <a:pPr marL="0" marR="0" lvl="0" indent="0" algn="l" defTabSz="914400" rtl="0" eaLnBrk="1" fontAlgn="auto" latinLnBrk="0" hangingPunct="1">
+                        <a:lnSpc>
+                          <a:spcPct val="100000"/>
+                        </a:lnSpc>
+                        <a:spcBef>
+                          <a:spcPts val="0"/>
+                        </a:spcBef>
+                        <a:spcAft>
+                          <a:spcPts val="0"/>
+                        </a:spcAft>
+                        <a:buClrTx/>
+                        <a:buSzTx/>
+                        <a:buFontTx/>
+                        <a:buNone/>
+                        <a:tabLst/>
+                        <a:defRPr/>
+                      </a:pPr>
+                      <a:r>
+                        <a:rPr lang="en-IN" sz="1100" b="1" dirty="0">
+                          <a:solidFill>
+                            <a:srgbClr val="24292F"/>
+                          </a:solidFill>
+                          <a:effectLst/>
+                        </a:rPr>
+                        <a:t>2</a:t>
+                      </a:r>
+                      <a:endParaRPr lang="en-IN" sz="1100" b="1" dirty="0">
+                        <a:solidFill>
+                          <a:srgbClr val="24292F"/>
+                        </a:solidFill>
+                        <a:effectLst/>
+                        <a:ea typeface="Times New Roman" panose="02020603050405020304" pitchFamily="18" charset="0"/>
+                        <a:cs typeface="Times New Roman" panose="02020603050405020304" pitchFamily="18" charset="0"/>
+                      </a:endParaRPr>
+                    </a:p>
+                  </a:txBody>
+                  <a:tcPr/>
+                </a:tc>
+                <a:tc>
+                  <a:txBody>
+                    <a:bodyPr/>
+                    <a:lstStyle/>
+                    <a:p>
+                      <a:pPr marL="0" marR="0" lvl="0" indent="0" algn="l" defTabSz="914400" rtl="0" eaLnBrk="1" fontAlgn="auto" latinLnBrk="0" hangingPunct="1">
+                        <a:lnSpc>
+                          <a:spcPct val="100000"/>
+                        </a:lnSpc>
+                        <a:spcBef>
+                          <a:spcPts val="0"/>
+                        </a:spcBef>
+                        <a:spcAft>
+                          <a:spcPts val="0"/>
+                        </a:spcAft>
+                        <a:buClrTx/>
+                        <a:buSzTx/>
+                        <a:buFontTx/>
+                        <a:buNone/>
+                        <a:tabLst/>
+                        <a:defRPr/>
+                      </a:pPr>
+                      <a:r>
+                        <a:rPr lang="en-IN" sz="1100" kern="1200" dirty="0">
+                          <a:solidFill>
+                            <a:schemeClr val="dk1"/>
+                          </a:solidFill>
+                        </a:rPr>
+                        <a:t>Electric bike users- 4012 ; Classis bike users- 3401; Docked bike users- 3</a:t>
+                      </a:r>
+                      <a:endParaRPr lang="en-IN" sz="1100" kern="1200" dirty="0">
+                        <a:solidFill>
+                          <a:schemeClr val="dk1"/>
+                        </a:solidFill>
+                        <a:latin typeface="+mn-lt"/>
+                        <a:ea typeface="+mn-ea"/>
+                        <a:cs typeface="+mn-cs"/>
+                      </a:endParaRPr>
+                    </a:p>
+                  </a:txBody>
+                  <a:tcPr/>
+                </a:tc>
+                <a:tc>
+                  <a:txBody>
+                    <a:bodyPr/>
+                    <a:lstStyle/>
+                    <a:p>
+                      <a:pPr marL="0" marR="0" lvl="0" indent="0" algn="l" defTabSz="914400" rtl="0" eaLnBrk="1" fontAlgn="auto" latinLnBrk="0" hangingPunct="1">
+                        <a:lnSpc>
+                          <a:spcPct val="100000"/>
+                        </a:lnSpc>
+                        <a:spcBef>
+                          <a:spcPts val="0"/>
+                        </a:spcBef>
+                        <a:spcAft>
+                          <a:spcPts val="0"/>
+                        </a:spcAft>
+                        <a:buClrTx/>
+                        <a:buSzTx/>
+                        <a:buFontTx/>
+                        <a:buNone/>
+                        <a:tabLst/>
+                        <a:defRPr/>
+                      </a:pPr>
+                      <a:r>
+                        <a:rPr lang="en-IN" sz="1100" kern="1200" dirty="0">
+                          <a:solidFill>
+                            <a:schemeClr val="dk1"/>
+                          </a:solidFill>
+                        </a:rPr>
+                        <a:t>Since there are only a few users using the docked bike. We recommend that the company should stop investing in the docked bikes and should use its money and inventory for Electric bike</a:t>
+                      </a:r>
+                      <a:endParaRPr lang="en-IN" sz="1100" kern="1200" dirty="0">
+                        <a:solidFill>
+                          <a:schemeClr val="dk1"/>
+                        </a:solidFill>
+                        <a:latin typeface="+mn-lt"/>
+                        <a:ea typeface="+mn-ea"/>
+                        <a:cs typeface="+mn-cs"/>
+                      </a:endParaRPr>
+                    </a:p>
+                  </a:txBody>
+                  <a:tcPr/>
+                </a:tc>
+                <a:extLst>
+                  <a:ext uri="{0D108BD9-81ED-4DB2-BD59-A6C34878D82A}">
+                    <a16:rowId xmlns:a16="http://schemas.microsoft.com/office/drawing/2014/main" val="3692404956"/>
+                  </a:ext>
+                </a:extLst>
+              </a:tr>
+              <a:tr h="446731">
+                <a:tc>
+                  <a:txBody>
+                    <a:bodyPr/>
+                    <a:lstStyle/>
+                    <a:p>
+                      <a:pPr marL="0" marR="0" lvl="0" indent="0" algn="l" defTabSz="914400" rtl="0" eaLnBrk="1" fontAlgn="auto" latinLnBrk="0" hangingPunct="1">
+                        <a:lnSpc>
+                          <a:spcPct val="100000"/>
+                        </a:lnSpc>
+                        <a:spcBef>
+                          <a:spcPts val="0"/>
+                        </a:spcBef>
+                        <a:spcAft>
+                          <a:spcPts val="0"/>
+                        </a:spcAft>
+                        <a:buClrTx/>
+                        <a:buSzTx/>
+                        <a:buFontTx/>
+                        <a:buNone/>
+                        <a:tabLst/>
+                        <a:defRPr/>
+                      </a:pPr>
+                      <a:r>
+                        <a:rPr lang="en-IN" sz="1100" b="1" dirty="0">
+                          <a:solidFill>
+                            <a:srgbClr val="24292F"/>
+                          </a:solidFill>
+                          <a:effectLst/>
+                        </a:rPr>
+                        <a:t>3</a:t>
+                      </a:r>
+                      <a:endParaRPr lang="en-IN" sz="1100" b="1" dirty="0">
+                        <a:solidFill>
+                          <a:srgbClr val="24292F"/>
+                        </a:solidFill>
+                        <a:effectLst/>
+                        <a:ea typeface="Times New Roman" panose="02020603050405020304" pitchFamily="18" charset="0"/>
+                        <a:cs typeface="Times New Roman" panose="02020603050405020304" pitchFamily="18" charset="0"/>
+                      </a:endParaRPr>
+                    </a:p>
+                  </a:txBody>
+                  <a:tcPr/>
+                </a:tc>
+                <a:tc>
+                  <a:txBody>
+                    <a:bodyPr/>
+                    <a:lstStyle/>
+                    <a:p>
+                      <a:pPr marL="0" marR="0" lvl="0" indent="0" algn="l" defTabSz="914400" rtl="0" eaLnBrk="1" fontAlgn="auto" latinLnBrk="0" hangingPunct="1">
+                        <a:lnSpc>
+                          <a:spcPct val="100000"/>
+                        </a:lnSpc>
+                        <a:spcBef>
+                          <a:spcPts val="0"/>
+                        </a:spcBef>
+                        <a:spcAft>
+                          <a:spcPts val="0"/>
+                        </a:spcAft>
+                        <a:buClrTx/>
+                        <a:buSzTx/>
+                        <a:buFontTx/>
+                        <a:buNone/>
+                        <a:tabLst/>
+                        <a:defRPr/>
+                      </a:pPr>
+                      <a:r>
+                        <a:rPr lang="en-IN" sz="1100" b="1" dirty="0">
+                          <a:solidFill>
+                            <a:srgbClr val="24292F"/>
+                          </a:solidFill>
+                          <a:effectLst/>
+                        </a:rPr>
+                        <a:t>Casual members prefer electric bikes </a:t>
+                      </a:r>
+                      <a:r>
+                        <a:rPr lang="en-IN" sz="1100" dirty="0">
+                          <a:solidFill>
+                            <a:srgbClr val="24292F"/>
+                          </a:solidFill>
+                          <a:effectLst/>
+                        </a:rPr>
+                        <a:t>over classic bikes- around </a:t>
+                      </a:r>
+                      <a:r>
+                        <a:rPr lang="en-IN" sz="1100" b="1" dirty="0">
+                          <a:solidFill>
+                            <a:srgbClr val="24292F"/>
+                          </a:solidFill>
+                          <a:effectLst/>
+                        </a:rPr>
+                        <a:t>680</a:t>
+                      </a:r>
+                      <a:r>
+                        <a:rPr lang="en-IN" sz="1100" dirty="0">
+                          <a:solidFill>
+                            <a:srgbClr val="24292F"/>
+                          </a:solidFill>
+                          <a:effectLst/>
+                        </a:rPr>
+                        <a:t> users</a:t>
+                      </a:r>
+                      <a:r>
+                        <a:rPr lang="en-IN" sz="1100" dirty="0"/>
+                        <a:t>; </a:t>
+                      </a:r>
+                      <a:r>
+                        <a:rPr lang="en-IN" sz="1100" b="1" dirty="0"/>
+                        <a:t>n</a:t>
+                      </a:r>
+                      <a:r>
+                        <a:rPr lang="en-IN" sz="1100" b="1" dirty="0">
+                          <a:solidFill>
+                            <a:srgbClr val="24292F"/>
+                          </a:solidFill>
+                          <a:effectLst/>
+                        </a:rPr>
+                        <a:t>o significant difference in annual member’s bike preference</a:t>
+                      </a:r>
+                      <a:endParaRPr lang="en-IN" sz="1100" b="1" dirty="0">
+                        <a:solidFill>
+                          <a:srgbClr val="24292F"/>
+                        </a:solidFill>
+                        <a:effectLst/>
+                        <a:ea typeface="Times New Roman" panose="02020603050405020304" pitchFamily="18" charset="0"/>
+                        <a:cs typeface="Times New Roman" panose="02020603050405020304" pitchFamily="18" charset="0"/>
+                      </a:endParaRPr>
+                    </a:p>
+                  </a:txBody>
+                  <a:tcPr/>
+                </a:tc>
+                <a:tc>
+                  <a:txBody>
+                    <a:bodyPr/>
+                    <a:lstStyle/>
+                    <a:p>
+                      <a:r>
+                        <a:rPr lang="en-IN" sz="1100" dirty="0"/>
+                        <a:t>Even though Electric bikes are expensive, casual members prefer them. This again brings to our last conclusion that the company should invest in Electric bikes more</a:t>
+                      </a:r>
+                    </a:p>
+                  </a:txBody>
+                  <a:tcPr/>
+                </a:tc>
+                <a:extLst>
+                  <a:ext uri="{0D108BD9-81ED-4DB2-BD59-A6C34878D82A}">
+                    <a16:rowId xmlns:a16="http://schemas.microsoft.com/office/drawing/2014/main" val="114671988"/>
+                  </a:ext>
+                </a:extLst>
+              </a:tr>
+              <a:tr h="313267">
+                <a:tc>
+                  <a:txBody>
+                    <a:bodyPr/>
+                    <a:lstStyle/>
+                    <a:p>
+                      <a:pPr marL="0" indent="0">
+                        <a:buFont typeface="+mj-lt"/>
+                        <a:buNone/>
+                      </a:pPr>
+                      <a:r>
+                        <a:rPr lang="en-IN" sz="1100" dirty="0">
+                          <a:solidFill>
+                            <a:srgbClr val="24292F"/>
+                          </a:solidFill>
+                          <a:effectLst/>
+                        </a:rPr>
+                        <a:t>4</a:t>
+                      </a:r>
+                      <a:endParaRPr lang="en-IN" sz="1100" dirty="0">
+                        <a:solidFill>
+                          <a:srgbClr val="24292F"/>
+                        </a:solidFill>
+                        <a:effectLst/>
+                        <a:ea typeface="Calibri" panose="020F0502020204030204" pitchFamily="34" charset="0"/>
+                        <a:cs typeface="Times New Roman" panose="02020603050405020304" pitchFamily="18" charset="0"/>
+                      </a:endParaRPr>
+                    </a:p>
+                  </a:txBody>
+                  <a:tcPr/>
+                </a:tc>
+                <a:tc>
+                  <a:txBody>
+                    <a:bodyPr/>
+                    <a:lstStyle/>
+                    <a:p>
+                      <a:pPr marL="0" indent="0">
+                        <a:buFont typeface="+mj-lt"/>
+                        <a:buNone/>
+                      </a:pPr>
+                      <a:r>
+                        <a:rPr lang="en-IN" sz="1100" b="1" dirty="0">
+                          <a:solidFill>
+                            <a:srgbClr val="24292F"/>
+                          </a:solidFill>
+                          <a:effectLst/>
+                        </a:rPr>
+                        <a:t>Saturdays and Wednesdays </a:t>
+                      </a:r>
+                      <a:r>
+                        <a:rPr lang="en-IN" sz="1100" dirty="0">
+                          <a:solidFill>
+                            <a:srgbClr val="24292F"/>
+                          </a:solidFill>
+                          <a:effectLst/>
+                        </a:rPr>
+                        <a:t>have the </a:t>
+                      </a:r>
+                      <a:r>
+                        <a:rPr lang="en-IN" sz="1100" b="1" dirty="0">
+                          <a:solidFill>
+                            <a:srgbClr val="24292F"/>
+                          </a:solidFill>
+                          <a:effectLst/>
+                        </a:rPr>
+                        <a:t>most number of users </a:t>
+                      </a:r>
+                      <a:r>
+                        <a:rPr lang="en-IN" sz="1100" dirty="0">
+                          <a:solidFill>
+                            <a:srgbClr val="24292F"/>
+                          </a:solidFill>
+                          <a:effectLst/>
+                        </a:rPr>
+                        <a:t>and </a:t>
+                      </a:r>
+                      <a:r>
+                        <a:rPr lang="en-IN" sz="1100" b="1" dirty="0">
+                          <a:solidFill>
+                            <a:srgbClr val="24292F"/>
+                          </a:solidFill>
+                          <a:effectLst/>
+                        </a:rPr>
+                        <a:t>Sunday has least</a:t>
+                      </a:r>
+                      <a:endParaRPr lang="en-IN" sz="1100" dirty="0">
+                        <a:solidFill>
+                          <a:srgbClr val="24292F"/>
+                        </a:solidFill>
+                        <a:effectLst/>
+                        <a:ea typeface="Calibri" panose="020F0502020204030204" pitchFamily="34" charset="0"/>
+                        <a:cs typeface="Times New Roman" panose="02020603050405020304" pitchFamily="18" charset="0"/>
+                      </a:endParaRPr>
+                    </a:p>
+                  </a:txBody>
+                  <a:tcPr/>
+                </a:tc>
+                <a:tc>
+                  <a:txBody>
+                    <a:bodyPr/>
+                    <a:lstStyle/>
+                    <a:p>
+                      <a:r>
+                        <a:rPr lang="en-IN" sz="1100" dirty="0"/>
+                        <a:t>Company can do the bike and station maintenance work on Sundays</a:t>
+                      </a:r>
+                    </a:p>
+                  </a:txBody>
+                  <a:tcPr/>
+                </a:tc>
+                <a:extLst>
+                  <a:ext uri="{0D108BD9-81ED-4DB2-BD59-A6C34878D82A}">
+                    <a16:rowId xmlns:a16="http://schemas.microsoft.com/office/drawing/2014/main" val="3350458785"/>
+                  </a:ext>
+                </a:extLst>
+              </a:tr>
+              <a:tr h="430484">
+                <a:tc>
+                  <a:txBody>
+                    <a:bodyPr/>
+                    <a:lstStyle/>
+                    <a:p>
+                      <a:pPr marL="0" marR="0" lvl="0" indent="0" algn="l" defTabSz="914400" rtl="0" eaLnBrk="1" fontAlgn="auto" latinLnBrk="0" hangingPunct="1">
+                        <a:lnSpc>
+                          <a:spcPct val="100000"/>
+                        </a:lnSpc>
+                        <a:spcBef>
+                          <a:spcPts val="0"/>
+                        </a:spcBef>
+                        <a:spcAft>
+                          <a:spcPts val="0"/>
+                        </a:spcAft>
+                        <a:buClrTx/>
+                        <a:buSzTx/>
+                        <a:buFontTx/>
+                        <a:buNone/>
+                        <a:tabLst/>
+                        <a:defRPr/>
+                      </a:pPr>
+                      <a:r>
+                        <a:rPr lang="en-IN" sz="1100" dirty="0"/>
+                        <a:t>5</a:t>
+                      </a:r>
+                    </a:p>
+                  </a:txBody>
+                  <a:tcPr/>
+                </a:tc>
+                <a:tc>
+                  <a:txBody>
+                    <a:bodyPr/>
+                    <a:lstStyle/>
+                    <a:p>
+                      <a:pPr marL="0" marR="0" lvl="0" indent="0" algn="l" defTabSz="914400" rtl="0" eaLnBrk="1" fontAlgn="auto" latinLnBrk="0" hangingPunct="1">
+                        <a:lnSpc>
+                          <a:spcPct val="100000"/>
+                        </a:lnSpc>
+                        <a:spcBef>
+                          <a:spcPts val="0"/>
+                        </a:spcBef>
+                        <a:spcAft>
+                          <a:spcPts val="0"/>
+                        </a:spcAft>
+                        <a:buClrTx/>
+                        <a:buSzTx/>
+                        <a:buFontTx/>
+                        <a:buNone/>
+                        <a:tabLst/>
+                        <a:defRPr/>
+                      </a:pPr>
+                      <a:r>
+                        <a:rPr lang="en-IN" sz="1100" dirty="0">
+                          <a:solidFill>
+                            <a:srgbClr val="24292F"/>
+                          </a:solidFill>
+                          <a:effectLst/>
+                        </a:rPr>
+                        <a:t>During the </a:t>
+                      </a:r>
+                      <a:r>
+                        <a:rPr lang="en-IN" sz="1100" b="1" dirty="0">
+                          <a:solidFill>
+                            <a:srgbClr val="24292F"/>
+                          </a:solidFill>
+                          <a:effectLst/>
+                        </a:rPr>
+                        <a:t>weekend</a:t>
+                      </a:r>
+                      <a:r>
+                        <a:rPr lang="en-IN" sz="1100" dirty="0">
+                          <a:solidFill>
+                            <a:srgbClr val="24292F"/>
+                          </a:solidFill>
+                          <a:effectLst/>
+                        </a:rPr>
+                        <a:t> hours, the </a:t>
+                      </a:r>
+                      <a:r>
+                        <a:rPr lang="en-IN" sz="1100" b="1" dirty="0">
+                          <a:solidFill>
+                            <a:srgbClr val="24292F"/>
+                          </a:solidFill>
+                          <a:effectLst/>
+                        </a:rPr>
+                        <a:t>rush hour starts at 9:00 am </a:t>
+                      </a:r>
+                      <a:r>
+                        <a:rPr lang="en-IN" sz="1100" dirty="0">
+                          <a:solidFill>
+                            <a:srgbClr val="24292F"/>
+                          </a:solidFill>
+                          <a:effectLst/>
+                        </a:rPr>
+                        <a:t>while on the </a:t>
+                      </a:r>
+                      <a:r>
+                        <a:rPr lang="en-IN" sz="1100" b="1" dirty="0">
+                          <a:solidFill>
+                            <a:srgbClr val="24292F"/>
+                          </a:solidFill>
+                          <a:effectLst/>
+                        </a:rPr>
+                        <a:t>weekdays it starts </a:t>
+                      </a:r>
+                      <a:r>
+                        <a:rPr lang="en-IN" sz="1100" dirty="0">
+                          <a:solidFill>
+                            <a:srgbClr val="24292F"/>
+                          </a:solidFill>
+                          <a:effectLst/>
+                        </a:rPr>
+                        <a:t>earlier at </a:t>
+                      </a:r>
+                      <a:r>
+                        <a:rPr lang="en-IN" sz="1100" b="1" dirty="0">
+                          <a:solidFill>
+                            <a:srgbClr val="24292F"/>
+                          </a:solidFill>
+                          <a:effectLst/>
+                        </a:rPr>
+                        <a:t>6:00 am</a:t>
+                      </a:r>
+                      <a:r>
+                        <a:rPr lang="en-IN" sz="1100" dirty="0">
+                          <a:solidFill>
+                            <a:srgbClr val="24292F"/>
+                          </a:solidFill>
+                          <a:effectLst/>
+                        </a:rPr>
+                        <a:t>. Also, on most of the weekdays, the line does not drop until 9:00 pm but it drops a little earlier during the weekends at 8:00 pm</a:t>
+                      </a:r>
+                      <a:endParaRPr lang="en-IN" sz="1100" dirty="0"/>
+                    </a:p>
+                  </a:txBody>
+                  <a:tcPr/>
+                </a:tc>
+                <a:tc>
+                  <a:txBody>
+                    <a:bodyPr/>
+                    <a:lstStyle/>
+                    <a:p>
+                      <a:r>
+                        <a:rPr lang="en-IN" sz="1100" dirty="0"/>
+                        <a:t>Since, people use less bikes post 9:00 pm so company can start the bike and station maintenance post 9:00 pm on Sunday </a:t>
+                      </a:r>
+                    </a:p>
+                  </a:txBody>
+                  <a:tcPr/>
+                </a:tc>
+                <a:extLst>
+                  <a:ext uri="{0D108BD9-81ED-4DB2-BD59-A6C34878D82A}">
+                    <a16:rowId xmlns:a16="http://schemas.microsoft.com/office/drawing/2014/main" val="3098542382"/>
+                  </a:ext>
+                </a:extLst>
+              </a:tr>
+              <a:tr h="269240">
+                <a:tc>
+                  <a:txBody>
+                    <a:bodyPr/>
+                    <a:lstStyle/>
+                    <a:p>
+                      <a:pPr marL="0" marR="0" lvl="0" indent="0" algn="l" defTabSz="914400" rtl="0" eaLnBrk="1" fontAlgn="auto" latinLnBrk="0" hangingPunct="1">
+                        <a:lnSpc>
+                          <a:spcPct val="100000"/>
+                        </a:lnSpc>
+                        <a:spcBef>
+                          <a:spcPts val="0"/>
+                        </a:spcBef>
+                        <a:spcAft>
+                          <a:spcPts val="0"/>
+                        </a:spcAft>
+                        <a:buClrTx/>
+                        <a:buSzTx/>
+                        <a:buFontTx/>
+                        <a:buNone/>
+                        <a:tabLst/>
+                        <a:defRPr/>
+                      </a:pPr>
+                      <a:r>
+                        <a:rPr lang="en-IN" sz="1100" dirty="0"/>
+                        <a:t>6</a:t>
+                      </a:r>
+                      <a:endParaRPr lang="en-IN" sz="1100" dirty="0">
+                        <a:ea typeface="Times New Roman" panose="02020603050405020304" pitchFamily="18" charset="0"/>
+                        <a:cs typeface="Times New Roman" panose="02020603050405020304" pitchFamily="18" charset="0"/>
+                      </a:endParaRPr>
+                    </a:p>
+                  </a:txBody>
+                  <a:tcPr/>
+                </a:tc>
+                <a:tc>
+                  <a:txBody>
+                    <a:bodyPr/>
+                    <a:lstStyle/>
+                    <a:p>
+                      <a:pPr marL="0" marR="0" lvl="0" indent="0" algn="l" defTabSz="914400" rtl="0" eaLnBrk="1" fontAlgn="auto" latinLnBrk="0" hangingPunct="1">
+                        <a:lnSpc>
+                          <a:spcPct val="100000"/>
+                        </a:lnSpc>
+                        <a:spcBef>
+                          <a:spcPts val="0"/>
+                        </a:spcBef>
+                        <a:spcAft>
+                          <a:spcPts val="0"/>
+                        </a:spcAft>
+                        <a:buClrTx/>
+                        <a:buSzTx/>
+                        <a:buFontTx/>
+                        <a:buNone/>
+                        <a:tabLst/>
+                        <a:defRPr/>
+                      </a:pPr>
+                      <a:r>
+                        <a:rPr lang="en-IN" sz="1100" dirty="0">
+                          <a:solidFill>
+                            <a:srgbClr val="24292F"/>
+                          </a:solidFill>
+                          <a:effectLst/>
+                        </a:rPr>
+                        <a:t>The </a:t>
+                      </a:r>
+                      <a:r>
+                        <a:rPr lang="en-IN" sz="1100" b="1" dirty="0">
+                          <a:solidFill>
+                            <a:srgbClr val="24292F"/>
+                          </a:solidFill>
+                          <a:effectLst/>
+                        </a:rPr>
+                        <a:t>peak hours </a:t>
+                      </a:r>
+                      <a:r>
+                        <a:rPr lang="en-IN" sz="1100" dirty="0">
+                          <a:solidFill>
+                            <a:srgbClr val="24292F"/>
+                          </a:solidFill>
+                          <a:effectLst/>
+                        </a:rPr>
+                        <a:t>of August is between </a:t>
+                      </a:r>
+                      <a:r>
+                        <a:rPr lang="en-IN" sz="1100" b="1" dirty="0">
+                          <a:solidFill>
+                            <a:srgbClr val="24292F"/>
+                          </a:solidFill>
+                          <a:effectLst/>
+                        </a:rPr>
+                        <a:t>3:00 pm to 7:30 pm </a:t>
+                      </a:r>
+                      <a:r>
+                        <a:rPr lang="en-IN" sz="1100" dirty="0">
+                          <a:solidFill>
+                            <a:srgbClr val="24292F"/>
+                          </a:solidFill>
+                          <a:effectLst/>
+                        </a:rPr>
+                        <a:t>with above </a:t>
+                      </a:r>
+                      <a:r>
+                        <a:rPr lang="en-IN" sz="1100" b="1" dirty="0">
+                          <a:solidFill>
+                            <a:srgbClr val="24292F"/>
+                          </a:solidFill>
+                          <a:effectLst/>
+                        </a:rPr>
+                        <a:t>400</a:t>
+                      </a:r>
+                      <a:r>
+                        <a:rPr lang="en-IN" sz="1100" dirty="0">
+                          <a:solidFill>
+                            <a:srgbClr val="24292F"/>
+                          </a:solidFill>
+                          <a:effectLst/>
+                        </a:rPr>
+                        <a:t> users</a:t>
+                      </a:r>
+                      <a:endParaRPr lang="en-IN" sz="1100" dirty="0">
+                        <a:ea typeface="Times New Roman" panose="02020603050405020304" pitchFamily="18" charset="0"/>
+                        <a:cs typeface="Times New Roman" panose="02020603050405020304" pitchFamily="18" charset="0"/>
+                      </a:endParaRPr>
+                    </a:p>
+                  </a:txBody>
+                  <a:tcPr/>
+                </a:tc>
+                <a:tc>
+                  <a:txBody>
+                    <a:bodyPr/>
+                    <a:lstStyle/>
+                    <a:p>
+                      <a:r>
+                        <a:rPr lang="en-IN" sz="1100" dirty="0"/>
+                        <a:t>Since these are the busiest hours; the price can be increased for these hours and can be reduced for Sundays and the other days when the bike is less used</a:t>
+                      </a:r>
+                    </a:p>
+                  </a:txBody>
+                  <a:tcPr/>
+                </a:tc>
+                <a:extLst>
+                  <a:ext uri="{0D108BD9-81ED-4DB2-BD59-A6C34878D82A}">
+                    <a16:rowId xmlns:a16="http://schemas.microsoft.com/office/drawing/2014/main" val="3166545221"/>
+                  </a:ext>
+                </a:extLst>
+              </a:tr>
+              <a:tr h="591351">
+                <a:tc>
+                  <a:txBody>
+                    <a:bodyPr/>
+                    <a:lstStyle/>
+                    <a:p>
+                      <a:r>
+                        <a:rPr lang="en-IN" sz="1100" dirty="0"/>
+                        <a:t>7</a:t>
+                      </a:r>
+                    </a:p>
+                  </a:txBody>
+                  <a:tcPr/>
+                </a:tc>
+                <a:tc>
+                  <a:txBody>
+                    <a:bodyPr/>
+                    <a:lstStyle/>
+                    <a:p>
+                      <a:pPr marL="0" indent="0">
+                        <a:buFont typeface="+mj-lt"/>
+                        <a:buNone/>
+                      </a:pPr>
+                      <a:r>
+                        <a:rPr lang="en-IN" sz="1100" b="1" dirty="0">
+                          <a:solidFill>
+                            <a:srgbClr val="24292F"/>
+                          </a:solidFill>
+                          <a:effectLst/>
+                        </a:rPr>
+                        <a:t>Top 5 stations: </a:t>
+                      </a:r>
+                      <a:r>
+                        <a:rPr lang="en-IN" sz="1100" dirty="0">
+                          <a:solidFill>
+                            <a:srgbClr val="24292F"/>
+                          </a:solidFill>
+                          <a:effectLst/>
+                        </a:rPr>
+                        <a:t>Bicentennial Park</a:t>
+                      </a:r>
+                      <a:r>
+                        <a:rPr lang="en-IN" sz="1100" dirty="0">
+                          <a:solidFill>
+                            <a:schemeClr val="dk1"/>
+                          </a:solidFill>
+                          <a:effectLst/>
+                        </a:rPr>
+                        <a:t>; </a:t>
+                      </a:r>
+                      <a:r>
+                        <a:rPr lang="en-IN" sz="1100" dirty="0">
+                          <a:solidFill>
+                            <a:srgbClr val="24292F"/>
+                          </a:solidFill>
+                          <a:effectLst/>
+                        </a:rPr>
+                        <a:t>North Bank Park</a:t>
+                      </a:r>
+                      <a:r>
+                        <a:rPr lang="en-IN" sz="1100" dirty="0">
+                          <a:solidFill>
+                            <a:schemeClr val="dk1"/>
+                          </a:solidFill>
+                          <a:effectLst/>
+                        </a:rPr>
+                        <a:t>; </a:t>
+                      </a:r>
+                      <a:r>
+                        <a:rPr lang="en-IN" sz="1100" dirty="0">
+                          <a:solidFill>
+                            <a:srgbClr val="24292F"/>
+                          </a:solidFill>
+                          <a:effectLst/>
+                        </a:rPr>
+                        <a:t>High St &amp; Broad St</a:t>
+                      </a:r>
+                      <a:r>
+                        <a:rPr lang="en-IN" sz="1100" dirty="0">
+                          <a:solidFill>
+                            <a:schemeClr val="dk1"/>
+                          </a:solidFill>
+                          <a:effectLst/>
+                        </a:rPr>
+                        <a:t>; </a:t>
+                      </a:r>
+                      <a:r>
+                        <a:rPr lang="en-IN" sz="1100" dirty="0" err="1">
+                          <a:solidFill>
+                            <a:srgbClr val="24292F"/>
+                          </a:solidFill>
+                          <a:effectLst/>
+                        </a:rPr>
+                        <a:t>Scioto</a:t>
+                      </a:r>
+                      <a:r>
+                        <a:rPr lang="en-IN" sz="1100" dirty="0">
+                          <a:solidFill>
+                            <a:srgbClr val="24292F"/>
+                          </a:solidFill>
+                          <a:effectLst/>
+                        </a:rPr>
+                        <a:t> Audubon </a:t>
+                      </a:r>
+                      <a:r>
+                        <a:rPr lang="en-IN" sz="1100" dirty="0" err="1">
+                          <a:solidFill>
+                            <a:srgbClr val="24292F"/>
+                          </a:solidFill>
+                          <a:effectLst/>
+                        </a:rPr>
+                        <a:t>Center</a:t>
+                      </a:r>
+                      <a:r>
+                        <a:rPr lang="en-IN" sz="1100" dirty="0">
+                          <a:solidFill>
+                            <a:schemeClr val="dk1"/>
+                          </a:solidFill>
+                          <a:effectLst/>
+                        </a:rPr>
+                        <a:t>; </a:t>
+                      </a:r>
+                      <a:r>
+                        <a:rPr lang="en-IN" sz="1100" dirty="0">
+                          <a:solidFill>
+                            <a:srgbClr val="24292F"/>
+                          </a:solidFill>
+                          <a:effectLst/>
+                        </a:rPr>
+                        <a:t>High St &amp; Warren</a:t>
+                      </a:r>
+                      <a:endParaRPr lang="en-IN" sz="1100" dirty="0"/>
+                    </a:p>
+                    <a:p>
+                      <a:endParaRPr lang="en-IN" sz="1100" dirty="0"/>
+                    </a:p>
+                  </a:txBody>
+                  <a:tcPr/>
+                </a:tc>
+                <a:tc>
+                  <a:txBody>
+                    <a:bodyPr/>
+                    <a:lstStyle/>
+                    <a:p>
+                      <a:r>
+                        <a:rPr lang="en-IN" sz="1100" dirty="0"/>
+                        <a:t>The company can </a:t>
+                      </a:r>
+                      <a:r>
+                        <a:rPr lang="en-IN" sz="1100" kern="1200" dirty="0">
+                          <a:solidFill>
+                            <a:schemeClr val="dk1"/>
+                          </a:solidFill>
+                        </a:rPr>
+                        <a:t>invest more in these stations and can increase the number of bikes. Also, the company </a:t>
+                      </a:r>
+                      <a:r>
+                        <a:rPr lang="en-IN" sz="1100" dirty="0"/>
+                        <a:t>can increase the price for the users of these stations and looking at the pattern in the future can reduce or maintain the price</a:t>
+                      </a:r>
+                    </a:p>
+                  </a:txBody>
+                  <a:tcPr/>
+                </a:tc>
+                <a:extLst>
+                  <a:ext uri="{0D108BD9-81ED-4DB2-BD59-A6C34878D82A}">
+                    <a16:rowId xmlns:a16="http://schemas.microsoft.com/office/drawing/2014/main" val="705385606"/>
+                  </a:ext>
+                </a:extLst>
+              </a:tr>
+              <a:tr h="0">
+                <a:tc>
+                  <a:txBody>
+                    <a:bodyPr/>
+                    <a:lstStyle/>
+                    <a:p>
+                      <a:r>
+                        <a:rPr lang="en-IN" sz="1100" dirty="0"/>
+                        <a:t>8</a:t>
+                      </a:r>
+                    </a:p>
+                  </a:txBody>
+                  <a:tcPr/>
+                </a:tc>
+                <a:tc>
+                  <a:txBody>
+                    <a:bodyPr/>
+                    <a:lstStyle/>
+                    <a:p>
+                      <a:pPr marL="0" marR="0" lvl="0" indent="0" algn="l" defTabSz="914400" rtl="0" eaLnBrk="1" fontAlgn="auto" latinLnBrk="0" hangingPunct="1">
+                        <a:lnSpc>
+                          <a:spcPct val="100000"/>
+                        </a:lnSpc>
+                        <a:spcBef>
+                          <a:spcPts val="0"/>
+                        </a:spcBef>
+                        <a:spcAft>
+                          <a:spcPts val="0"/>
+                        </a:spcAft>
+                        <a:buClrTx/>
+                        <a:buSzTx/>
+                        <a:buFontTx/>
+                        <a:buNone/>
+                        <a:tabLst/>
+                        <a:defRPr/>
+                      </a:pPr>
+                      <a:r>
+                        <a:rPr lang="en-IN" sz="1100" b="1" dirty="0">
+                          <a:solidFill>
+                            <a:srgbClr val="333333"/>
+                          </a:solidFill>
+                          <a:effectLst/>
+                        </a:rPr>
+                        <a:t>Casual customers </a:t>
+                      </a:r>
+                      <a:r>
+                        <a:rPr lang="en-IN" sz="1100" b="0" dirty="0">
+                          <a:solidFill>
+                            <a:srgbClr val="333333"/>
+                          </a:solidFill>
+                          <a:effectLst/>
+                        </a:rPr>
+                        <a:t>u</a:t>
+                      </a:r>
+                      <a:r>
+                        <a:rPr lang="en-IN" sz="1100" dirty="0">
+                          <a:solidFill>
+                            <a:srgbClr val="333333"/>
+                          </a:solidFill>
+                        </a:rPr>
+                        <a:t>sing bikes over </a:t>
+                      </a:r>
+                      <a:r>
+                        <a:rPr lang="en-IN" sz="1100" b="1" dirty="0">
+                          <a:solidFill>
+                            <a:srgbClr val="333333"/>
+                          </a:solidFill>
+                        </a:rPr>
+                        <a:t>30 mins – 29%</a:t>
+                      </a:r>
+                    </a:p>
+                    <a:p>
+                      <a:pPr marL="0" marR="0" lvl="0" indent="0" algn="l" defTabSz="914400" rtl="0" eaLnBrk="1" fontAlgn="auto" latinLnBrk="0" hangingPunct="1">
+                        <a:lnSpc>
+                          <a:spcPct val="100000"/>
+                        </a:lnSpc>
+                        <a:spcBef>
+                          <a:spcPts val="0"/>
+                        </a:spcBef>
+                        <a:spcAft>
+                          <a:spcPts val="0"/>
+                        </a:spcAft>
+                        <a:buClrTx/>
+                        <a:buSzTx/>
+                        <a:buFontTx/>
+                        <a:buNone/>
+                        <a:tabLst/>
+                        <a:defRPr/>
+                      </a:pPr>
+                      <a:r>
+                        <a:rPr lang="en-IN" sz="1100" b="1" dirty="0">
+                          <a:solidFill>
+                            <a:srgbClr val="333333"/>
+                          </a:solidFill>
+                          <a:effectLst/>
+                        </a:rPr>
+                        <a:t>Casual customers </a:t>
+                      </a:r>
+                      <a:r>
+                        <a:rPr lang="en-IN" sz="1100" b="0" dirty="0">
+                          <a:solidFill>
+                            <a:srgbClr val="333333"/>
+                          </a:solidFill>
+                          <a:effectLst/>
+                        </a:rPr>
+                        <a:t>CI at </a:t>
+                      </a:r>
+                      <a:r>
+                        <a:rPr lang="en-IN" sz="1100" b="1" dirty="0">
+                          <a:solidFill>
+                            <a:srgbClr val="333333"/>
+                          </a:solidFill>
+                          <a:effectLst/>
+                        </a:rPr>
+                        <a:t>95%:</a:t>
+                      </a:r>
+                      <a:r>
+                        <a:rPr lang="en-IN" sz="1100" b="1" dirty="0">
+                          <a:solidFill>
+                            <a:srgbClr val="333333"/>
+                          </a:solidFill>
+                        </a:rPr>
+                        <a:t> 21.21 - 22.2</a:t>
+                      </a:r>
+                    </a:p>
+                    <a:p>
+                      <a:pPr marL="0" marR="0" lvl="0" indent="0" algn="l" defTabSz="914400" rtl="0" eaLnBrk="1" fontAlgn="auto" latinLnBrk="0" hangingPunct="1">
+                        <a:lnSpc>
+                          <a:spcPct val="100000"/>
+                        </a:lnSpc>
+                        <a:spcBef>
+                          <a:spcPts val="0"/>
+                        </a:spcBef>
+                        <a:spcAft>
+                          <a:spcPts val="0"/>
+                        </a:spcAft>
+                        <a:buClrTx/>
+                        <a:buSzTx/>
+                        <a:buFontTx/>
+                        <a:buNone/>
+                        <a:tabLst/>
+                        <a:defRPr/>
+                      </a:pPr>
+                      <a:endParaRPr lang="en-IN" sz="1100" dirty="0">
+                        <a:solidFill>
+                          <a:srgbClr val="333333"/>
+                        </a:solidFill>
+                        <a:latin typeface="Helvetica Neue"/>
+                      </a:endParaRPr>
+                    </a:p>
+                  </a:txBody>
+                  <a:tcPr/>
+                </a:tc>
+                <a:tc>
+                  <a:txBody>
+                    <a:bodyPr/>
+                    <a:lstStyle/>
+                    <a:p>
+                      <a:pPr marL="171450" indent="-171450">
+                        <a:buFont typeface="Arial" panose="020B0604020202020204" pitchFamily="34" charset="0"/>
+                        <a:buChar char="•"/>
+                      </a:pPr>
+                      <a:r>
+                        <a:rPr lang="en-IN" sz="1100" kern="1200" dirty="0">
+                          <a:solidFill>
+                            <a:schemeClr val="dk1"/>
+                          </a:solidFill>
+                        </a:rPr>
+                        <a:t>The company can increase their profit margin by slightly increasing the boundary price for casual customers because casual customers may be more accepting of the price increment </a:t>
+                      </a:r>
+                    </a:p>
+                    <a:p>
+                      <a:pPr marL="171450" indent="-171450">
+                        <a:buFont typeface="Arial" panose="020B0604020202020204" pitchFamily="34" charset="0"/>
+                        <a:buChar char="•"/>
+                      </a:pPr>
+                      <a:r>
+                        <a:rPr lang="en-IN" sz="1100" kern="1200" dirty="0">
+                          <a:solidFill>
+                            <a:schemeClr val="dk1"/>
+                          </a:solidFill>
+                        </a:rPr>
+                        <a:t>Company can even reduce the boundary time to 20 mins to increase the profit</a:t>
+                      </a:r>
+                      <a:endParaRPr lang="en-IN" sz="1100" kern="1200" dirty="0">
+                        <a:solidFill>
+                          <a:schemeClr val="dk1"/>
+                        </a:solidFill>
+                        <a:latin typeface="+mn-lt"/>
+                        <a:ea typeface="+mn-ea"/>
+                        <a:cs typeface="+mn-cs"/>
+                      </a:endParaRPr>
+                    </a:p>
+                  </a:txBody>
+                  <a:tcPr/>
+                </a:tc>
+                <a:extLst>
+                  <a:ext uri="{0D108BD9-81ED-4DB2-BD59-A6C34878D82A}">
+                    <a16:rowId xmlns:a16="http://schemas.microsoft.com/office/drawing/2014/main" val="779433674"/>
+                  </a:ext>
+                </a:extLst>
+              </a:tr>
+              <a:tr h="0">
+                <a:tc>
+                  <a:txBody>
+                    <a:bodyPr/>
+                    <a:lstStyle/>
+                    <a:p>
+                      <a:r>
+                        <a:rPr lang="en-IN" sz="1100" dirty="0"/>
+                        <a:t>9</a:t>
+                      </a:r>
+                    </a:p>
+                  </a:txBody>
+                  <a:tcPr/>
+                </a:tc>
+                <a:tc>
+                  <a:txBody>
+                    <a:bodyPr/>
+                    <a:lstStyle/>
+                    <a:p>
+                      <a:pPr marL="171450" marR="0" lvl="0" indent="-171450" algn="l" defTabSz="914400" rtl="0" eaLnBrk="1" fontAlgn="auto" latinLnBrk="0" hangingPunct="1">
+                        <a:lnSpc>
+                          <a:spcPct val="100000"/>
+                        </a:lnSpc>
+                        <a:spcBef>
+                          <a:spcPts val="0"/>
+                        </a:spcBef>
+                        <a:spcAft>
+                          <a:spcPts val="0"/>
+                        </a:spcAft>
+                        <a:buClrTx/>
+                        <a:buSzTx/>
+                        <a:buFont typeface="Arial" panose="020B0604020202020204" pitchFamily="34" charset="0"/>
+                        <a:buChar char="•"/>
+                        <a:tabLst/>
+                        <a:defRPr/>
+                      </a:pPr>
+                      <a:r>
+                        <a:rPr lang="en-IN" sz="1100" b="1" dirty="0">
+                          <a:solidFill>
+                            <a:srgbClr val="333333"/>
+                          </a:solidFill>
+                          <a:effectLst/>
+                        </a:rPr>
+                        <a:t>Classic bikes </a:t>
+                      </a:r>
+                      <a:r>
+                        <a:rPr lang="en-IN" sz="1100" b="0" dirty="0">
+                          <a:solidFill>
+                            <a:srgbClr val="333333"/>
+                          </a:solidFill>
+                          <a:effectLst/>
+                        </a:rPr>
+                        <a:t>used over</a:t>
+                      </a:r>
+                      <a:r>
+                        <a:rPr lang="en-IN" sz="1100" dirty="0">
+                          <a:solidFill>
+                            <a:srgbClr val="333333"/>
+                          </a:solidFill>
+                        </a:rPr>
+                        <a:t> </a:t>
+                      </a:r>
+                      <a:r>
+                        <a:rPr lang="en-IN" sz="1100" b="1" dirty="0">
+                          <a:solidFill>
+                            <a:srgbClr val="333333"/>
+                          </a:solidFill>
+                        </a:rPr>
+                        <a:t>30 mins – 16%</a:t>
+                      </a:r>
+                    </a:p>
+                    <a:p>
+                      <a:pPr marL="171450" marR="0" lvl="0" indent="-171450" algn="l" defTabSz="914400" rtl="0" eaLnBrk="1" fontAlgn="auto" latinLnBrk="0" hangingPunct="1">
+                        <a:lnSpc>
+                          <a:spcPct val="100000"/>
+                        </a:lnSpc>
+                        <a:spcBef>
+                          <a:spcPts val="0"/>
+                        </a:spcBef>
+                        <a:spcAft>
+                          <a:spcPts val="0"/>
+                        </a:spcAft>
+                        <a:buClrTx/>
+                        <a:buSzTx/>
+                        <a:buFont typeface="Arial" panose="020B0604020202020204" pitchFamily="34" charset="0"/>
+                        <a:buChar char="•"/>
+                        <a:tabLst/>
+                        <a:defRPr/>
+                      </a:pPr>
+                      <a:r>
+                        <a:rPr lang="en-IN" sz="1100" b="1" dirty="0">
+                          <a:solidFill>
+                            <a:srgbClr val="333333"/>
+                          </a:solidFill>
+                          <a:effectLst/>
+                        </a:rPr>
+                        <a:t>Classic bike CI </a:t>
+                      </a:r>
+                      <a:r>
+                        <a:rPr lang="en-IN" sz="1100" b="0" dirty="0">
+                          <a:solidFill>
+                            <a:srgbClr val="333333"/>
+                          </a:solidFill>
+                          <a:effectLst/>
+                        </a:rPr>
+                        <a:t>at 95%:</a:t>
+                      </a:r>
+                      <a:r>
+                        <a:rPr lang="en-IN" sz="1100" dirty="0">
+                          <a:solidFill>
+                            <a:srgbClr val="333333"/>
+                          </a:solidFill>
+                        </a:rPr>
+                        <a:t> </a:t>
+                      </a:r>
+                      <a:r>
+                        <a:rPr lang="en-IN" sz="1100" b="1" dirty="0">
+                          <a:solidFill>
+                            <a:srgbClr val="333333"/>
+                          </a:solidFill>
+                        </a:rPr>
+                        <a:t>17.13 - 18.03</a:t>
+                      </a:r>
+                    </a:p>
+                    <a:p>
+                      <a:pPr marL="171450" marR="0" lvl="0" indent="-171450" algn="l" defTabSz="914400" rtl="0" eaLnBrk="1" fontAlgn="auto" latinLnBrk="0" hangingPunct="1">
+                        <a:lnSpc>
+                          <a:spcPct val="100000"/>
+                        </a:lnSpc>
+                        <a:spcBef>
+                          <a:spcPts val="0"/>
+                        </a:spcBef>
+                        <a:spcAft>
+                          <a:spcPts val="0"/>
+                        </a:spcAft>
+                        <a:buClrTx/>
+                        <a:buSzTx/>
+                        <a:buFont typeface="Arial" panose="020B0604020202020204" pitchFamily="34" charset="0"/>
+                        <a:buChar char="•"/>
+                        <a:tabLst/>
+                        <a:defRPr/>
+                      </a:pPr>
+                      <a:r>
+                        <a:rPr lang="en-IN" sz="1100" b="1" dirty="0">
+                          <a:solidFill>
+                            <a:srgbClr val="333333"/>
+                          </a:solidFill>
+                        </a:rPr>
+                        <a:t>Electric bike CI </a:t>
+                      </a:r>
+                      <a:r>
+                        <a:rPr lang="en-IN" sz="1100" dirty="0">
+                          <a:solidFill>
+                            <a:srgbClr val="333333"/>
+                          </a:solidFill>
+                        </a:rPr>
+                        <a:t>at 95%: </a:t>
+                      </a:r>
+                      <a:r>
+                        <a:rPr lang="en-IN" sz="1100" b="1" dirty="0">
+                          <a:solidFill>
+                            <a:srgbClr val="333333"/>
+                          </a:solidFill>
+                        </a:rPr>
+                        <a:t>12.81 – 13.46</a:t>
+                      </a:r>
+                    </a:p>
+                    <a:p>
+                      <a:pPr marL="171450" marR="0" lvl="0" indent="-171450" algn="l" defTabSz="914400" rtl="0" eaLnBrk="1" fontAlgn="auto" latinLnBrk="0" hangingPunct="1">
+                        <a:lnSpc>
+                          <a:spcPct val="100000"/>
+                        </a:lnSpc>
+                        <a:spcBef>
+                          <a:spcPts val="0"/>
+                        </a:spcBef>
+                        <a:spcAft>
+                          <a:spcPts val="0"/>
+                        </a:spcAft>
+                        <a:buClrTx/>
+                        <a:buSzTx/>
+                        <a:buFont typeface="Arial" panose="020B0604020202020204" pitchFamily="34" charset="0"/>
+                        <a:buChar char="•"/>
+                        <a:tabLst/>
+                        <a:defRPr/>
+                      </a:pPr>
+                      <a:r>
+                        <a:rPr lang="en-IN" sz="1100" b="1" dirty="0">
+                          <a:solidFill>
+                            <a:srgbClr val="333333"/>
+                          </a:solidFill>
+                          <a:effectLst/>
+                        </a:rPr>
+                        <a:t>Electric bikes </a:t>
+                      </a:r>
+                      <a:r>
+                        <a:rPr lang="en-IN" sz="1100" b="0" dirty="0">
+                          <a:solidFill>
+                            <a:srgbClr val="333333"/>
+                          </a:solidFill>
+                          <a:effectLst/>
+                        </a:rPr>
+                        <a:t>used over</a:t>
+                      </a:r>
+                      <a:r>
+                        <a:rPr lang="en-IN" sz="1100" dirty="0">
+                          <a:solidFill>
+                            <a:srgbClr val="333333"/>
+                          </a:solidFill>
+                        </a:rPr>
+                        <a:t> </a:t>
+                      </a:r>
+                      <a:r>
+                        <a:rPr lang="en-IN" sz="1100" b="1" dirty="0">
+                          <a:solidFill>
+                            <a:srgbClr val="333333"/>
+                          </a:solidFill>
+                        </a:rPr>
+                        <a:t>30 mins – 4%</a:t>
+                      </a:r>
+                      <a:endParaRPr lang="en-IN" sz="1100" b="1" dirty="0">
+                        <a:solidFill>
+                          <a:srgbClr val="333333"/>
+                        </a:solidFill>
+                        <a:latin typeface="Helvetica Neue"/>
+                      </a:endParaRPr>
+                    </a:p>
+                  </a:txBody>
+                  <a:tcPr/>
+                </a:tc>
+                <a:tc>
+                  <a:txBody>
+                    <a:bodyPr/>
+                    <a:lstStyle/>
+                    <a:p>
+                      <a:pPr marL="171450" indent="-171450">
+                        <a:buFont typeface="Arial" panose="020B0604020202020204" pitchFamily="34" charset="0"/>
+                        <a:buChar char="•"/>
+                      </a:pPr>
+                      <a:r>
+                        <a:rPr lang="en-IN" sz="1100" kern="1200" dirty="0">
+                          <a:solidFill>
+                            <a:schemeClr val="dk1"/>
+                          </a:solidFill>
+                        </a:rPr>
+                        <a:t>Classic bike price can be increased for over 30 mins by a slight margin</a:t>
+                      </a:r>
+                    </a:p>
+                    <a:p>
+                      <a:pPr marL="171450" indent="-171450">
+                        <a:buFont typeface="Arial" panose="020B0604020202020204" pitchFamily="34" charset="0"/>
+                        <a:buChar char="•"/>
+                      </a:pPr>
+                      <a:r>
+                        <a:rPr lang="en-IN" sz="1100" kern="1200" dirty="0">
+                          <a:solidFill>
+                            <a:schemeClr val="dk1"/>
+                          </a:solidFill>
+                        </a:rPr>
+                        <a:t>Even though electric bikes are used most people don’t use them for over 30 mins. So Electric bike inventory can be increased but their price margin over 30 mins can be reduced</a:t>
+                      </a:r>
+                      <a:endParaRPr lang="en-IN" sz="1100" kern="1200" dirty="0">
+                        <a:solidFill>
+                          <a:schemeClr val="dk1"/>
+                        </a:solidFill>
+                        <a:latin typeface="+mn-lt"/>
+                        <a:ea typeface="+mn-ea"/>
+                        <a:cs typeface="+mn-cs"/>
+                      </a:endParaRPr>
+                    </a:p>
+                  </a:txBody>
+                  <a:tcPr/>
+                </a:tc>
+                <a:extLst>
+                  <a:ext uri="{0D108BD9-81ED-4DB2-BD59-A6C34878D82A}">
+                    <a16:rowId xmlns:a16="http://schemas.microsoft.com/office/drawing/2014/main" val="854350818"/>
+                  </a:ext>
+                </a:extLst>
+              </a:tr>
+            </a:tbl>
+          </a:graphicData>
+        </a:graphic>
+      </p:graphicFrame>
+      <p:sp>
+        <p:nvSpPr>
+          <p:cNvPr id="4" name="TextBox 3">
+            <a:extLst>
+              <a:ext uri="{FF2B5EF4-FFF2-40B4-BE49-F238E27FC236}">
+                <a16:creationId xmlns:a16="http://schemas.microsoft.com/office/drawing/2014/main" id="{B6230777-972E-7EDA-2551-BCDC28EE079D}"/>
+              </a:ext>
+            </a:extLst>
+          </p:cNvPr>
+          <p:cNvSpPr txBox="1"/>
+          <p:nvPr/>
+        </p:nvSpPr>
+        <p:spPr>
+          <a:xfrm>
+            <a:off x="11502493" y="6145968"/>
+            <a:ext cx="528640" cy="369332"/>
+          </a:xfrm>
+          <a:prstGeom prst="rect">
+            <a:avLst/>
+          </a:prstGeom>
+          <a:noFill/>
+        </p:spPr>
+        <p:txBody>
+          <a:bodyPr wrap="square" rtlCol="0">
+            <a:spAutoFit/>
+          </a:bodyPr>
+          <a:lstStyle/>
+          <a:p>
+            <a:r>
+              <a:rPr lang="en-IN" dirty="0"/>
+              <a:t>22</a:t>
+            </a:r>
+          </a:p>
+        </p:txBody>
+      </p:sp>
+      <p:pic>
+        <p:nvPicPr>
+          <p:cNvPr id="1030" name="Picture 6">
+            <a:extLst>
+              <a:ext uri="{FF2B5EF4-FFF2-40B4-BE49-F238E27FC236}">
+                <a16:creationId xmlns:a16="http://schemas.microsoft.com/office/drawing/2014/main" id="{6072BB45-FB83-61EA-A43B-DA0F2FE8199B}"/>
+              </a:ext>
+            </a:extLst>
+          </p:cNvPr>
+          <p:cNvPicPr>
+            <a:picLocks noChangeAspect="1" noChangeArrowheads="1"/>
+          </p:cNvPicPr>
+          <p:nvPr/>
+        </p:nvPicPr>
+        <p:blipFill>
+          <a:blip r:embed="rId2">
+            <a:extLst>
+              <a:ext uri="{28A0092B-C50C-407E-A947-70E740481C1C}">
+                <a14:useLocalDpi xmlns:a14="http://schemas.microsoft.com/office/drawing/2010/main" val="0"/>
+              </a:ext>
+            </a:extLst>
+          </a:blip>
+          <a:srcRect/>
+          <a:stretch>
+            <a:fillRect/>
+          </a:stretch>
+        </p:blipFill>
+        <p:spPr bwMode="auto">
+          <a:xfrm>
+            <a:off x="10978092" y="58069"/>
+            <a:ext cx="1075268" cy="818996"/>
+          </a:xfrm>
+          <a:prstGeom prst="rect">
+            <a:avLst/>
+          </a:prstGeom>
+          <a:noFill/>
+          <a:extLst>
+            <a:ext uri="{909E8E84-426E-40DD-AFC4-6F175D3DCCD1}">
+              <a14:hiddenFill xmlns:a14="http://schemas.microsoft.com/office/drawing/2010/main">
+                <a:solidFill>
+                  <a:srgbClr val="FFFFFF"/>
+                </a:solidFill>
+              </a14:hiddenFill>
+            </a:ext>
+          </a:extLst>
+        </p:spPr>
+      </p:pic>
+    </p:spTree>
+    <p:extLst>
+      <p:ext uri="{BB962C8B-B14F-4D97-AF65-F5344CB8AC3E}">
+        <p14:creationId xmlns:p14="http://schemas.microsoft.com/office/powerpoint/2010/main" val="1547594057"/>
       </p:ext>
     </p:extLst>
   </p:cSld>
@@ -21025,6 +23759,53 @@
           </a:p>
         </p:txBody>
       </p:sp>
+      <p:pic>
+        <p:nvPicPr>
+          <p:cNvPr id="2" name="Picture 6">
+            <a:extLst>
+              <a:ext uri="{FF2B5EF4-FFF2-40B4-BE49-F238E27FC236}">
+                <a16:creationId xmlns:a16="http://schemas.microsoft.com/office/drawing/2014/main" id="{CE4A97A3-538F-0013-0AA5-D6FE4346862D}"/>
+              </a:ext>
+            </a:extLst>
+          </p:cNvPr>
+          <p:cNvPicPr>
+            <a:picLocks noChangeAspect="1" noChangeArrowheads="1"/>
+          </p:cNvPicPr>
+          <p:nvPr/>
+        </p:nvPicPr>
+        <p:blipFill>
+          <a:blip r:embed="rId2">
+            <a:extLst>
+              <a:ext uri="{28A0092B-C50C-407E-A947-70E740481C1C}">
+                <a14:useLocalDpi xmlns:a14="http://schemas.microsoft.com/office/drawing/2010/main" val="0"/>
+              </a:ext>
+            </a:extLst>
+          </a:blip>
+          <a:srcRect/>
+          <a:stretch>
+            <a:fillRect/>
+          </a:stretch>
+        </p:blipFill>
+        <p:spPr bwMode="auto">
+          <a:xfrm>
+            <a:off x="10978092" y="58069"/>
+            <a:ext cx="1075268" cy="818996"/>
+          </a:xfrm>
+          <a:prstGeom prst="rect">
+            <a:avLst/>
+          </a:prstGeom>
+          <a:noFill/>
+          <a:extLst>
+            <a:ext uri="{909E8E84-426E-40DD-AFC4-6F175D3DCCD1}">
+              <a14:hiddenFill xmlns:a14="http://schemas.microsoft.com/office/drawing/2010/main">
+                <a:solidFill>
+                  <a:srgbClr val="FFFFFF"/>
+                </a:solidFill>
+              </a14:hiddenFill>
+            </a:ext>
+          </a:extLst>
+        </p:spPr>
+      </p:pic>
     </p:spTree>
     <p:extLst>
       <p:ext uri="{BB962C8B-B14F-4D97-AF65-F5344CB8AC3E}">
@@ -22022,6 +24803,53 @@
           </a:p>
         </p:txBody>
       </p:sp>
+      <p:pic>
+        <p:nvPicPr>
+          <p:cNvPr id="9" name="Picture 6">
+            <a:extLst>
+              <a:ext uri="{FF2B5EF4-FFF2-40B4-BE49-F238E27FC236}">
+                <a16:creationId xmlns:a16="http://schemas.microsoft.com/office/drawing/2014/main" id="{CFC74D25-5C91-D650-E9FD-0212AA30D14F}"/>
+              </a:ext>
+            </a:extLst>
+          </p:cNvPr>
+          <p:cNvPicPr>
+            <a:picLocks noChangeAspect="1" noChangeArrowheads="1"/>
+          </p:cNvPicPr>
+          <p:nvPr/>
+        </p:nvPicPr>
+        <p:blipFill>
+          <a:blip r:embed="rId4">
+            <a:extLst>
+              <a:ext uri="{28A0092B-C50C-407E-A947-70E740481C1C}">
+                <a14:useLocalDpi xmlns:a14="http://schemas.microsoft.com/office/drawing/2010/main" val="0"/>
+              </a:ext>
+            </a:extLst>
+          </a:blip>
+          <a:srcRect/>
+          <a:stretch>
+            <a:fillRect/>
+          </a:stretch>
+        </p:blipFill>
+        <p:spPr bwMode="auto">
+          <a:xfrm>
+            <a:off x="10978092" y="58069"/>
+            <a:ext cx="1075268" cy="818996"/>
+          </a:xfrm>
+          <a:prstGeom prst="rect">
+            <a:avLst/>
+          </a:prstGeom>
+          <a:noFill/>
+          <a:extLst>
+            <a:ext uri="{909E8E84-426E-40DD-AFC4-6F175D3DCCD1}">
+              <a14:hiddenFill xmlns:a14="http://schemas.microsoft.com/office/drawing/2010/main">
+                <a:solidFill>
+                  <a:srgbClr val="FFFFFF"/>
+                </a:solidFill>
+              </a14:hiddenFill>
+            </a:ext>
+          </a:extLst>
+        </p:spPr>
+      </p:pic>
     </p:spTree>
     <p:extLst>
       <p:ext uri="{BB962C8B-B14F-4D97-AF65-F5344CB8AC3E}">
@@ -24217,6 +27045,53 @@
           </a:p>
         </p:txBody>
       </p:sp>
+      <p:pic>
+        <p:nvPicPr>
+          <p:cNvPr id="4" name="Picture 6">
+            <a:extLst>
+              <a:ext uri="{FF2B5EF4-FFF2-40B4-BE49-F238E27FC236}">
+                <a16:creationId xmlns:a16="http://schemas.microsoft.com/office/drawing/2014/main" id="{1F58DADF-8447-4018-0C76-B498ABEA51C8}"/>
+              </a:ext>
+            </a:extLst>
+          </p:cNvPr>
+          <p:cNvPicPr>
+            <a:picLocks noChangeAspect="1" noChangeArrowheads="1"/>
+          </p:cNvPicPr>
+          <p:nvPr/>
+        </p:nvPicPr>
+        <p:blipFill>
+          <a:blip r:embed="rId9">
+            <a:extLst>
+              <a:ext uri="{28A0092B-C50C-407E-A947-70E740481C1C}">
+                <a14:useLocalDpi xmlns:a14="http://schemas.microsoft.com/office/drawing/2010/main" val="0"/>
+              </a:ext>
+            </a:extLst>
+          </a:blip>
+          <a:srcRect/>
+          <a:stretch>
+            <a:fillRect/>
+          </a:stretch>
+        </p:blipFill>
+        <p:spPr bwMode="auto">
+          <a:xfrm>
+            <a:off x="10978092" y="58069"/>
+            <a:ext cx="1075268" cy="818996"/>
+          </a:xfrm>
+          <a:prstGeom prst="rect">
+            <a:avLst/>
+          </a:prstGeom>
+          <a:noFill/>
+          <a:extLst>
+            <a:ext uri="{909E8E84-426E-40DD-AFC4-6F175D3DCCD1}">
+              <a14:hiddenFill xmlns:a14="http://schemas.microsoft.com/office/drawing/2010/main">
+                <a:solidFill>
+                  <a:srgbClr val="FFFFFF"/>
+                </a:solidFill>
+              </a14:hiddenFill>
+            </a:ext>
+          </a:extLst>
+        </p:spPr>
+      </p:pic>
     </p:spTree>
     <p:extLst>
       <p:ext uri="{BB962C8B-B14F-4D97-AF65-F5344CB8AC3E}">
@@ -24883,6 +27758,53 @@
           </a:p>
         </p:txBody>
       </p:sp>
+      <p:pic>
+        <p:nvPicPr>
+          <p:cNvPr id="2" name="Picture 6">
+            <a:extLst>
+              <a:ext uri="{FF2B5EF4-FFF2-40B4-BE49-F238E27FC236}">
+                <a16:creationId xmlns:a16="http://schemas.microsoft.com/office/drawing/2014/main" id="{C63822F8-19C8-F28E-8210-02EC46FF8495}"/>
+              </a:ext>
+            </a:extLst>
+          </p:cNvPr>
+          <p:cNvPicPr>
+            <a:picLocks noChangeAspect="1" noChangeArrowheads="1"/>
+          </p:cNvPicPr>
+          <p:nvPr/>
+        </p:nvPicPr>
+        <p:blipFill>
+          <a:blip r:embed="rId3">
+            <a:extLst>
+              <a:ext uri="{28A0092B-C50C-407E-A947-70E740481C1C}">
+                <a14:useLocalDpi xmlns:a14="http://schemas.microsoft.com/office/drawing/2010/main" val="0"/>
+              </a:ext>
+            </a:extLst>
+          </a:blip>
+          <a:srcRect/>
+          <a:stretch>
+            <a:fillRect/>
+          </a:stretch>
+        </p:blipFill>
+        <p:spPr bwMode="auto">
+          <a:xfrm>
+            <a:off x="10978092" y="58069"/>
+            <a:ext cx="1075268" cy="818996"/>
+          </a:xfrm>
+          <a:prstGeom prst="rect">
+            <a:avLst/>
+          </a:prstGeom>
+          <a:noFill/>
+          <a:extLst>
+            <a:ext uri="{909E8E84-426E-40DD-AFC4-6F175D3DCCD1}">
+              <a14:hiddenFill xmlns:a14="http://schemas.microsoft.com/office/drawing/2010/main">
+                <a:solidFill>
+                  <a:srgbClr val="FFFFFF"/>
+                </a:solidFill>
+              </a14:hiddenFill>
+            </a:ext>
+          </a:extLst>
+        </p:spPr>
+      </p:pic>
     </p:spTree>
     <p:extLst>
       <p:ext uri="{BB962C8B-B14F-4D97-AF65-F5344CB8AC3E}">
@@ -25506,6 +28428,53 @@
           </a:p>
         </p:txBody>
       </p:sp>
+      <p:pic>
+        <p:nvPicPr>
+          <p:cNvPr id="2" name="Picture 6">
+            <a:extLst>
+              <a:ext uri="{FF2B5EF4-FFF2-40B4-BE49-F238E27FC236}">
+                <a16:creationId xmlns:a16="http://schemas.microsoft.com/office/drawing/2014/main" id="{87B2E1B4-B777-6087-FDCC-DEE55577448B}"/>
+              </a:ext>
+            </a:extLst>
+          </p:cNvPr>
+          <p:cNvPicPr>
+            <a:picLocks noChangeAspect="1" noChangeArrowheads="1"/>
+          </p:cNvPicPr>
+          <p:nvPr/>
+        </p:nvPicPr>
+        <p:blipFill>
+          <a:blip r:embed="rId3">
+            <a:extLst>
+              <a:ext uri="{28A0092B-C50C-407E-A947-70E740481C1C}">
+                <a14:useLocalDpi xmlns:a14="http://schemas.microsoft.com/office/drawing/2010/main" val="0"/>
+              </a:ext>
+            </a:extLst>
+          </a:blip>
+          <a:srcRect/>
+          <a:stretch>
+            <a:fillRect/>
+          </a:stretch>
+        </p:blipFill>
+        <p:spPr bwMode="auto">
+          <a:xfrm>
+            <a:off x="10978092" y="58069"/>
+            <a:ext cx="1075268" cy="818996"/>
+          </a:xfrm>
+          <a:prstGeom prst="rect">
+            <a:avLst/>
+          </a:prstGeom>
+          <a:noFill/>
+          <a:extLst>
+            <a:ext uri="{909E8E84-426E-40DD-AFC4-6F175D3DCCD1}">
+              <a14:hiddenFill xmlns:a14="http://schemas.microsoft.com/office/drawing/2010/main">
+                <a:solidFill>
+                  <a:srgbClr val="FFFFFF"/>
+                </a:solidFill>
+              </a14:hiddenFill>
+            </a:ext>
+          </a:extLst>
+        </p:spPr>
+      </p:pic>
     </p:spTree>
     <p:extLst>
       <p:ext uri="{BB962C8B-B14F-4D97-AF65-F5344CB8AC3E}">
@@ -26104,6 +29073,53 @@
           </a:p>
         </p:txBody>
       </p:sp>
+      <p:pic>
+        <p:nvPicPr>
+          <p:cNvPr id="2" name="Picture 6">
+            <a:extLst>
+              <a:ext uri="{FF2B5EF4-FFF2-40B4-BE49-F238E27FC236}">
+                <a16:creationId xmlns:a16="http://schemas.microsoft.com/office/drawing/2014/main" id="{23C77AD0-5FAF-89C5-C46B-14AA11F120D3}"/>
+              </a:ext>
+            </a:extLst>
+          </p:cNvPr>
+          <p:cNvPicPr>
+            <a:picLocks noChangeAspect="1" noChangeArrowheads="1"/>
+          </p:cNvPicPr>
+          <p:nvPr/>
+        </p:nvPicPr>
+        <p:blipFill>
+          <a:blip r:embed="rId3">
+            <a:extLst>
+              <a:ext uri="{28A0092B-C50C-407E-A947-70E740481C1C}">
+                <a14:useLocalDpi xmlns:a14="http://schemas.microsoft.com/office/drawing/2010/main" val="0"/>
+              </a:ext>
+            </a:extLst>
+          </a:blip>
+          <a:srcRect/>
+          <a:stretch>
+            <a:fillRect/>
+          </a:stretch>
+        </p:blipFill>
+        <p:spPr bwMode="auto">
+          <a:xfrm>
+            <a:off x="10978092" y="58069"/>
+            <a:ext cx="1075268" cy="818996"/>
+          </a:xfrm>
+          <a:prstGeom prst="rect">
+            <a:avLst/>
+          </a:prstGeom>
+          <a:noFill/>
+          <a:extLst>
+            <a:ext uri="{909E8E84-426E-40DD-AFC4-6F175D3DCCD1}">
+              <a14:hiddenFill xmlns:a14="http://schemas.microsoft.com/office/drawing/2010/main">
+                <a:solidFill>
+                  <a:srgbClr val="FFFFFF"/>
+                </a:solidFill>
+              </a14:hiddenFill>
+            </a:ext>
+          </a:extLst>
+        </p:spPr>
+      </p:pic>
     </p:spTree>
     <p:extLst>
       <p:ext uri="{BB962C8B-B14F-4D97-AF65-F5344CB8AC3E}">
@@ -26754,6 +29770,53 @@
           </a:p>
         </p:txBody>
       </p:sp>
+      <p:pic>
+        <p:nvPicPr>
+          <p:cNvPr id="2" name="Picture 6">
+            <a:extLst>
+              <a:ext uri="{FF2B5EF4-FFF2-40B4-BE49-F238E27FC236}">
+                <a16:creationId xmlns:a16="http://schemas.microsoft.com/office/drawing/2014/main" id="{35D2CBC2-246E-01B5-B486-CF652E79E798}"/>
+              </a:ext>
+            </a:extLst>
+          </p:cNvPr>
+          <p:cNvPicPr>
+            <a:picLocks noChangeAspect="1" noChangeArrowheads="1"/>
+          </p:cNvPicPr>
+          <p:nvPr/>
+        </p:nvPicPr>
+        <p:blipFill>
+          <a:blip r:embed="rId3">
+            <a:extLst>
+              <a:ext uri="{28A0092B-C50C-407E-A947-70E740481C1C}">
+                <a14:useLocalDpi xmlns:a14="http://schemas.microsoft.com/office/drawing/2010/main" val="0"/>
+              </a:ext>
+            </a:extLst>
+          </a:blip>
+          <a:srcRect/>
+          <a:stretch>
+            <a:fillRect/>
+          </a:stretch>
+        </p:blipFill>
+        <p:spPr bwMode="auto">
+          <a:xfrm>
+            <a:off x="10978092" y="58069"/>
+            <a:ext cx="1075268" cy="818996"/>
+          </a:xfrm>
+          <a:prstGeom prst="rect">
+            <a:avLst/>
+          </a:prstGeom>
+          <a:noFill/>
+          <a:extLst>
+            <a:ext uri="{909E8E84-426E-40DD-AFC4-6F175D3DCCD1}">
+              <a14:hiddenFill xmlns:a14="http://schemas.microsoft.com/office/drawing/2010/main">
+                <a:solidFill>
+                  <a:srgbClr val="FFFFFF"/>
+                </a:solidFill>
+              </a14:hiddenFill>
+            </a:ext>
+          </a:extLst>
+        </p:spPr>
+      </p:pic>
     </p:spTree>
     <p:extLst>
       <p:ext uri="{BB962C8B-B14F-4D97-AF65-F5344CB8AC3E}">
